--- a/Document/최종 발표대본.pptx
+++ b/Document/최종 발표대본.pptx
@@ -2,7 +2,7 @@
 <file path=ppt/presentation.xml><?xml version="1.0" encoding="utf-8"?>
 <p:presentation xmlns:r="http://schemas.openxmlformats.org/officeDocument/2006/relationships" xmlns:c="http://schemas.openxmlformats.org/drawingml/2006/chart" xmlns:a="http://schemas.openxmlformats.org/drawingml/2006/main" xmlns:dgm="http://schemas.openxmlformats.org/drawingml/2006/diagram" xmlns:dsp="http://schemas.microsoft.com/office/drawing/2008/diagram" xmlns:p="http://schemas.openxmlformats.org/presentationml/2006/main">
   <p:sldMasterIdLst>
-    <p:sldMasterId id="2147483726" r:id="rId1"/>
+    <p:sldMasterId id="2147483729" r:id="rId1"/>
   </p:sldMasterIdLst>
   <p:sldIdLst>
     <p:sldId id="256" r:id="rId2"/>
@@ -22,6 +22,15 @@
     <p:sldId id="270" r:id="rId16"/>
     <p:sldId id="271" r:id="rId17"/>
     <p:sldId id="272" r:id="rId18"/>
+    <p:sldId id="273" r:id="rId19"/>
+    <p:sldId id="274" r:id="rId20"/>
+    <p:sldId id="275" r:id="rId21"/>
+    <p:sldId id="276" r:id="rId22"/>
+    <p:sldId id="277" r:id="rId23"/>
+    <p:sldId id="278" r:id="rId24"/>
+    <p:sldId id="279" r:id="rId25"/>
+    <p:sldId id="280" r:id="rId26"/>
+    <p:sldId id="281" r:id="rId27"/>
   </p:sldIdLst>
   <p:sldSz cx="12192000" cy="6858000"/>
   <p:notesSz cx="6858000" cy="9144000"/>
@@ -5423,7 +5432,7 @@
         <p:spPr>
           <a:xfrm>
             <a:off x="1900536" y="1801754"/>
-            <a:ext cx="8390928" cy="3254492"/>
+            <a:ext cx="8390928" cy="4044691"/>
           </a:xfrm>
           <a:prstGeom prst="rect">
             <a:avLst/>
@@ -5443,7 +5452,127 @@
                 <a:latin typeface="나눔스퀘어라운드 ExtraBold"/>
                 <a:ea typeface="나눔스퀘어라운드 ExtraBold"/>
               </a:rPr>
-              <a:t>먼저 </a:t>
+              <a:t>두번째 기능인 일기입니다</a:t>
+            </a:r>
+            <a:r>
+              <a:rPr lang="en-US" altLang="ko-KR" sz="2600">
+                <a:latin typeface="나눔스퀘어라운드 ExtraBold"/>
+                <a:ea typeface="나눔스퀘어라운드 ExtraBold"/>
+              </a:rPr>
+              <a:t>.</a:t>
+            </a:r>
+            <a:endParaRPr lang="en-US" altLang="ko-KR" sz="2600">
+              <a:latin typeface="나눔스퀘어라운드 ExtraBold"/>
+              <a:ea typeface="나눔스퀘어라운드 ExtraBold"/>
+            </a:endParaRPr>
+          </a:p>
+          <a:p>
+            <a:pPr>
+              <a:defRPr/>
+            </a:pPr>
+            <a:endParaRPr lang="en-US" altLang="ko-KR" sz="2600">
+              <a:latin typeface="나눔스퀘어라운드 ExtraBold"/>
+              <a:ea typeface="나눔스퀘어라운드 ExtraBold"/>
+            </a:endParaRPr>
+          </a:p>
+          <a:p>
+            <a:pPr>
+              <a:defRPr/>
+            </a:pPr>
+            <a:r>
+              <a:rPr lang="ko-KR" altLang="en-US" sz="2600">
+                <a:latin typeface="나눔스퀘어라운드 ExtraBold"/>
+                <a:ea typeface="나눔스퀘어라운드 ExtraBold"/>
+              </a:rPr>
+              <a:t>반려동물의 사진을 찍어 여러장 일기로 등록하여 일상을 기록할 수있고</a:t>
+            </a:r>
+            <a:r>
+              <a:rPr lang="en-US" altLang="ko-KR" sz="2600">
+                <a:latin typeface="나눔스퀘어라운드 ExtraBold"/>
+                <a:ea typeface="나눔스퀘어라운드 ExtraBold"/>
+              </a:rPr>
+              <a:t>,</a:t>
+            </a:r>
+            <a:r>
+              <a:rPr lang="ko-KR" altLang="en-US" sz="2600">
+                <a:latin typeface="나눔스퀘어라운드 ExtraBold"/>
+                <a:ea typeface="나눔스퀘어라운드 ExtraBold"/>
+              </a:rPr>
+              <a:t> 해시태그를 사용해 일기에 대한 키워드를 등록할 수 있습니다</a:t>
+            </a:r>
+            <a:r>
+              <a:rPr lang="en-US" altLang="ko-KR" sz="2600">
+                <a:latin typeface="나눔스퀘어라운드 ExtraBold"/>
+                <a:ea typeface="나눔스퀘어라운드 ExtraBold"/>
+              </a:rPr>
+              <a:t>.</a:t>
+            </a:r>
+            <a:r>
+              <a:rPr lang="ko-KR" altLang="en-US" sz="2600">
+                <a:latin typeface="나눔스퀘어라운드 ExtraBold"/>
+                <a:ea typeface="나눔스퀘어라운드 ExtraBold"/>
+              </a:rPr>
+              <a:t> 또한</a:t>
+            </a:r>
+            <a:r>
+              <a:rPr lang="en-US" altLang="ko-KR" sz="2600">
+                <a:latin typeface="나눔스퀘어라운드 ExtraBold"/>
+                <a:ea typeface="나눔스퀘어라운드 ExtraBold"/>
+              </a:rPr>
+              <a:t>,</a:t>
+            </a:r>
+            <a:r>
+              <a:rPr lang="ko-KR" altLang="en-US" sz="2600">
+                <a:latin typeface="나눔스퀘어라운드 ExtraBold"/>
+                <a:ea typeface="나눔스퀘어라운드 ExtraBold"/>
+              </a:rPr>
+              <a:t> 정렬기능을 통해 날짜</a:t>
+            </a:r>
+            <a:r>
+              <a:rPr lang="en-US" altLang="ko-KR" sz="2600">
+                <a:latin typeface="나눔스퀘어라운드 ExtraBold"/>
+                <a:ea typeface="나눔스퀘어라운드 ExtraBold"/>
+              </a:rPr>
+              <a:t>,</a:t>
+            </a:r>
+            <a:r>
+              <a:rPr lang="ko-KR" altLang="en-US" sz="2600">
+                <a:latin typeface="나눔스퀘어라운드 ExtraBold"/>
+                <a:ea typeface="나눔스퀘어라운드 ExtraBold"/>
+              </a:rPr>
+              <a:t> 범위등을 선택하여 일기를 찾을 수 있습니다</a:t>
+            </a:r>
+            <a:r>
+              <a:rPr lang="en-US" altLang="ko-KR" sz="2600">
+                <a:latin typeface="나눔스퀘어라운드 ExtraBold"/>
+                <a:ea typeface="나눔스퀘어라운드 ExtraBold"/>
+              </a:rPr>
+              <a:t>.</a:t>
+            </a:r>
+            <a:endParaRPr lang="en-US" altLang="ko-KR" sz="2600">
+              <a:latin typeface="나눔스퀘어라운드 ExtraBold"/>
+              <a:ea typeface="나눔스퀘어라운드 ExtraBold"/>
+            </a:endParaRPr>
+          </a:p>
+          <a:p>
+            <a:pPr>
+              <a:defRPr/>
+            </a:pPr>
+            <a:endParaRPr lang="en-US" altLang="ko-KR" sz="2600">
+              <a:latin typeface="나눔스퀘어라운드 ExtraBold"/>
+              <a:ea typeface="나눔스퀘어라운드 ExtraBold"/>
+            </a:endParaRPr>
+          </a:p>
+          <a:p>
+            <a:pPr>
+              <a:defRPr/>
+            </a:pPr>
+            <a:r>
+              <a:rPr lang="ko-KR" altLang="en-US" sz="2600">
+                <a:latin typeface="나눔스퀘어라운드 ExtraBold"/>
+                <a:ea typeface="나눔스퀘어라운드 ExtraBold"/>
+              </a:rPr>
+              <a:t>마지막으로 </a:t>
             </a:r>
             <a:r>
               <a:rPr lang="en-US" altLang="ko-KR" sz="2600">
@@ -5457,7 +5586,7 @@
                 <a:latin typeface="나눔스퀘어라운드 ExtraBold"/>
                 <a:ea typeface="나눔스퀘어라운드 ExtraBold"/>
               </a:rPr>
-              <a:t> 표정분석입니다</a:t>
+              <a:t> 분석결과를 일기로 바로 쓸수있습니다</a:t>
             </a:r>
             <a:r>
               <a:rPr lang="en-US" altLang="ko-KR" sz="2600">
@@ -5480,7 +5609,7 @@
                 <a:latin typeface="나눔스퀘어라운드 ExtraBold"/>
                 <a:ea typeface="나눔스퀘어라운드 ExtraBold"/>
               </a:rPr>
-              <a:t>저희는 총 두개의 모델을 사용하였습니다</a:t>
+              <a:t>감정결과는 해시태그로 자동 등록되고 분석한 사진을 일기로 바로 넘겨 작성가능하도록 하였습니다</a:t>
             </a:r>
             <a:r>
               <a:rPr lang="en-US" altLang="ko-KR" sz="2600">
@@ -5494,25 +5623,177 @@
               <a:ea typeface="나눔스퀘어라운드 ExtraBold"/>
             </a:endParaRPr>
           </a:p>
-          <a:p>
-            <a:pPr>
-              <a:defRPr/>
-            </a:pPr>
-            <a:endParaRPr lang="en-US" altLang="ko-KR" sz="2600">
-              <a:latin typeface="나눔스퀘어라운드 ExtraBold"/>
-              <a:ea typeface="나눔스퀘어라운드 ExtraBold"/>
-            </a:endParaRPr>
-          </a:p>
-          <a:p>
-            <a:pPr>
-              <a:defRPr/>
-            </a:pPr>
-            <a:r>
-              <a:rPr lang="ko-KR" altLang="en-US" sz="2600">
-                <a:latin typeface="나눔스퀘어라운드 ExtraBold"/>
-                <a:ea typeface="나눔스퀘어라운드 ExtraBold"/>
-              </a:rPr>
-              <a:t>분류모델로 고양이와 강아지를 분류하고</a:t>
+        </p:txBody>
+      </p:sp>
+    </p:spTree>
+  </p:cSld>
+  <p:clrMapOvr>
+    <a:masterClrMapping/>
+  </p:clrMapOvr>
+  <mc:AlternateContent xmlns:mc="http://schemas.openxmlformats.org/markup-compatibility/2006">
+    <mc:Choice xmlns:p14="http://schemas.microsoft.com/office/powerpoint/2010/main" Requires="p14">
+      <p:transition xmlns:mc="http://schemas.openxmlformats.org/markup-compatibility/2006" xmlns:p14="http://schemas.microsoft.com/office/powerpoint/2010/main" mc:Ignorable="p14" p14:dur="500"/>
+    </mc:Choice>
+    <mc:Fallback>
+      <p:transition/>
+    </mc:Fallback>
+  </mc:AlternateContent>
+</p:sld>
+</file>
+
+<file path=ppt/slides/slide18.xml><?xml version="1.0" encoding="utf-8"?>
+<p:sld xmlns:r="http://schemas.openxmlformats.org/officeDocument/2006/relationships" xmlns:c="http://schemas.openxmlformats.org/drawingml/2006/chart" xmlns:a="http://schemas.openxmlformats.org/drawingml/2006/main" xmlns:dgm="http://schemas.openxmlformats.org/drawingml/2006/diagram" xmlns:dsp="http://schemas.microsoft.com/office/drawing/2008/diagram" xmlns:p="http://schemas.openxmlformats.org/presentationml/2006/main">
+  <p:cSld>
+    <p:spTree>
+      <p:nvGrpSpPr>
+        <p:cNvPr id="1" name=""/>
+        <p:cNvGrpSpPr/>
+        <p:nvPr/>
+      </p:nvGrpSpPr>
+      <p:grpSpPr>
+        <a:xfrm>
+          <a:off x="0" y="0"/>
+          <a:ext cx="0" cy="0"/>
+          <a:chOff x="0" y="0"/>
+          <a:chExt cx="0" cy="0"/>
+        </a:xfrm>
+      </p:grpSpPr>
+      <p:sp>
+        <p:nvSpPr>
+          <p:cNvPr id="4" name=""/>
+          <p:cNvSpPr txBox="1"/>
+          <p:nvPr/>
+        </p:nvSpPr>
+        <p:spPr>
+          <a:xfrm>
+            <a:off x="389673" y="215264"/>
+            <a:ext cx="10903556" cy="6427470"/>
+          </a:xfrm>
+          <a:prstGeom prst="rect">
+            <a:avLst/>
+          </a:prstGeom>
+        </p:spPr>
+        <p:txBody>
+          <a:bodyPr wrap="square">
+            <a:spAutoFit/>
+          </a:bodyPr>
+          <a:lstStyle/>
+          <a:p>
+            <a:pPr>
+              <a:defRPr/>
+            </a:pPr>
+            <a:r>
+              <a:rPr lang="ko-KR" altLang="en-US" sz="2600">
+                <a:latin typeface="나눔스퀘어라운드 ExtraBold"/>
+                <a:ea typeface="나눔스퀘어라운드 ExtraBold"/>
+              </a:rPr>
+              <a:t>세번째 기능인 캘린더입니다</a:t>
+            </a:r>
+            <a:r>
+              <a:rPr lang="en-US" altLang="ko-KR" sz="2600">
+                <a:latin typeface="나눔스퀘어라운드 ExtraBold"/>
+                <a:ea typeface="나눔스퀘어라운드 ExtraBold"/>
+              </a:rPr>
+              <a:t>.</a:t>
+            </a:r>
+            <a:endParaRPr lang="en-US" altLang="ko-KR" sz="2600">
+              <a:latin typeface="나눔스퀘어라운드 ExtraBold"/>
+              <a:ea typeface="나눔스퀘어라운드 ExtraBold"/>
+            </a:endParaRPr>
+          </a:p>
+          <a:p>
+            <a:pPr>
+              <a:defRPr/>
+            </a:pPr>
+            <a:r>
+              <a:rPr lang="ko-KR" altLang="en-US" sz="2600">
+                <a:latin typeface="나눔스퀘어라운드 ExtraBold"/>
+                <a:ea typeface="나눔스퀘어라운드 ExtraBold"/>
+              </a:rPr>
+              <a:t>반려동물을 케어하기 위해서 가장 중요한 것은 일정관리라고 생각하여 추가한 기능입니다</a:t>
+            </a:r>
+            <a:r>
+              <a:rPr lang="en-US" altLang="ko-KR" sz="2600">
+                <a:latin typeface="나눔스퀘어라운드 ExtraBold"/>
+                <a:ea typeface="나눔스퀘어라운드 ExtraBold"/>
+              </a:rPr>
+              <a:t>.</a:t>
+            </a:r>
+            <a:endParaRPr lang="en-US" altLang="ko-KR" sz="2600">
+              <a:latin typeface="나눔스퀘어라운드 ExtraBold"/>
+              <a:ea typeface="나눔스퀘어라운드 ExtraBold"/>
+            </a:endParaRPr>
+          </a:p>
+          <a:p>
+            <a:pPr>
+              <a:defRPr/>
+            </a:pPr>
+            <a:endParaRPr lang="en-US" altLang="ko-KR" sz="2600">
+              <a:latin typeface="나눔스퀘어라운드 ExtraBold"/>
+              <a:ea typeface="나눔스퀘어라운드 ExtraBold"/>
+            </a:endParaRPr>
+          </a:p>
+          <a:p>
+            <a:pPr>
+              <a:defRPr/>
+            </a:pPr>
+            <a:r>
+              <a:rPr lang="ko-KR" altLang="en-US" sz="2600">
+                <a:latin typeface="나눔스퀘어라운드 ExtraBold"/>
+                <a:ea typeface="나눔스퀘어라운드 ExtraBold"/>
+              </a:rPr>
+              <a:t>미리 등록한 반려동물별로 일정을 등록할 수 있고</a:t>
+            </a:r>
+            <a:r>
+              <a:rPr lang="en-US" altLang="ko-KR" sz="2600">
+                <a:latin typeface="나눔스퀘어라운드 ExtraBold"/>
+                <a:ea typeface="나눔스퀘어라운드 ExtraBold"/>
+              </a:rPr>
+              <a:t>,</a:t>
+            </a:r>
+            <a:endParaRPr lang="en-US" altLang="ko-KR" sz="2600">
+              <a:latin typeface="나눔스퀘어라운드 ExtraBold"/>
+              <a:ea typeface="나눔스퀘어라운드 ExtraBold"/>
+            </a:endParaRPr>
+          </a:p>
+          <a:p>
+            <a:pPr>
+              <a:defRPr/>
+            </a:pPr>
+            <a:r>
+              <a:rPr lang="ko-KR" altLang="en-US" sz="2600">
+                <a:latin typeface="나눔스퀘어라운드 ExtraBold"/>
+                <a:ea typeface="나눔스퀘어라운드 ExtraBold"/>
+              </a:rPr>
+              <a:t>산책</a:t>
+            </a:r>
+            <a:r>
+              <a:rPr lang="en-US" altLang="ko-KR" sz="2600">
+                <a:latin typeface="나눔스퀘어라운드 ExtraBold"/>
+                <a:ea typeface="나눔스퀘어라운드 ExtraBold"/>
+              </a:rPr>
+              <a:t>,</a:t>
+            </a:r>
+            <a:r>
+              <a:rPr lang="ko-KR" altLang="en-US" sz="2600">
+                <a:latin typeface="나눔스퀘어라운드 ExtraBold"/>
+                <a:ea typeface="나눔스퀘어라운드 ExtraBold"/>
+              </a:rPr>
+              <a:t> 접종</a:t>
+            </a:r>
+            <a:r>
+              <a:rPr lang="en-US" altLang="ko-KR" sz="2600">
+                <a:latin typeface="나눔스퀘어라운드 ExtraBold"/>
+                <a:ea typeface="나눔스퀘어라운드 ExtraBold"/>
+              </a:rPr>
+              <a:t>,</a:t>
+            </a:r>
+            <a:r>
+              <a:rPr lang="ko-KR" altLang="en-US" sz="2600">
+                <a:latin typeface="나눔스퀘어라운드 ExtraBold"/>
+                <a:ea typeface="나눔스퀘어라운드 ExtraBold"/>
+              </a:rPr>
+              <a:t> 기타 등 타입을 설정해 일정을 등록하고 </a:t>
             </a:r>
             <a:endParaRPr lang="ko-KR" altLang="en-US" sz="2600">
               <a:latin typeface="나눔스퀘어라운드 ExtraBold"/>
@@ -5528,7 +5809,39 @@
                 <a:latin typeface="나눔스퀘어라운드 ExtraBold"/>
                 <a:ea typeface="나눔스퀘어라운드 ExtraBold"/>
               </a:rPr>
-              <a:t>분류된 결과로 사진에 대한 표정을 분석하여</a:t>
+              <a:t>이 두개의 분류로 일정을 필터링 할 수 있습니다</a:t>
+            </a:r>
+            <a:r>
+              <a:rPr lang="en-US" altLang="ko-KR" sz="2600">
+                <a:latin typeface="나눔스퀘어라운드 ExtraBold"/>
+                <a:ea typeface="나눔스퀘어라운드 ExtraBold"/>
+              </a:rPr>
+              <a:t>.</a:t>
+            </a:r>
+            <a:endParaRPr lang="en-US" altLang="ko-KR" sz="2600">
+              <a:latin typeface="나눔스퀘어라운드 ExtraBold"/>
+              <a:ea typeface="나눔스퀘어라운드 ExtraBold"/>
+            </a:endParaRPr>
+          </a:p>
+          <a:p>
+            <a:pPr>
+              <a:defRPr/>
+            </a:pPr>
+            <a:endParaRPr lang="en-US" altLang="ko-KR" sz="2600">
+              <a:latin typeface="나눔스퀘어라운드 ExtraBold"/>
+              <a:ea typeface="나눔스퀘어라운드 ExtraBold"/>
+            </a:endParaRPr>
+          </a:p>
+          <a:p>
+            <a:pPr>
+              <a:defRPr/>
+            </a:pPr>
+            <a:r>
+              <a:rPr lang="ko-KR" altLang="en-US" sz="2600">
+                <a:latin typeface="나눔스퀘어라운드 ExtraBold"/>
+                <a:ea typeface="나눔스퀘어라운드 ExtraBold"/>
+              </a:rPr>
+              <a:t>또한 산책으로 일정을 등록하게 된다면</a:t>
             </a:r>
             <a:endParaRPr lang="ko-KR" altLang="en-US" sz="2600">
               <a:latin typeface="나눔스퀘어라운드 ExtraBold"/>
@@ -5539,6 +5852,41 @@
             <a:pPr>
               <a:defRPr/>
             </a:pPr>
+            <a:r>
+              <a:rPr lang="ko-KR" altLang="en-US" sz="2600">
+                <a:latin typeface="나눔스퀘어라운드 ExtraBold"/>
+                <a:ea typeface="나눔스퀘어라운드 ExtraBold"/>
+              </a:rPr>
+              <a:t>현재위치를 기반으로한 반경 </a:t>
+            </a:r>
+            <a:r>
+              <a:rPr lang="en-US" altLang="ko-KR" sz="2600">
+                <a:latin typeface="나눔스퀘어라운드 ExtraBold"/>
+                <a:ea typeface="나눔스퀘어라운드 ExtraBold"/>
+              </a:rPr>
+              <a:t>3</a:t>
+            </a:r>
+            <a:r>
+              <a:rPr lang="ko-KR" altLang="en-US" sz="2600">
+                <a:latin typeface="나눔스퀘어라운드 ExtraBold"/>
+                <a:ea typeface="나눔스퀘어라운드 ExtraBold"/>
+              </a:rPr>
+              <a:t>키로미터 내의 산책지를 추천해드립니다</a:t>
+            </a:r>
+            <a:r>
+              <a:rPr lang="en-US" altLang="ko-KR" sz="2600">
+                <a:latin typeface="나눔스퀘어라운드 ExtraBold"/>
+                <a:ea typeface="나눔스퀘어라운드 ExtraBold"/>
+              </a:rPr>
+              <a:t>.</a:t>
+            </a:r>
+            <a:r>
+              <a:rPr lang="ko-KR" altLang="en-US" sz="2600">
+                <a:latin typeface="나눔스퀘어라운드 ExtraBold"/>
+                <a:ea typeface="나눔스퀘어라운드 ExtraBold"/>
+              </a:rPr>
+              <a:t> </a:t>
+            </a:r>
             <a:endParaRPr lang="ko-KR" altLang="en-US" sz="2600">
               <a:latin typeface="나눔스퀘어라운드 ExtraBold"/>
               <a:ea typeface="나눔스퀘어라운드 ExtraBold"/>
@@ -5548,12 +5896,21 @@
             <a:pPr>
               <a:defRPr/>
             </a:pPr>
-            <a:r>
-              <a:rPr lang="ko-KR" altLang="en-US" sz="2600">
-                <a:latin typeface="나눔스퀘어라운드 ExtraBold"/>
-                <a:ea typeface="나눔스퀘어라운드 ExtraBold"/>
-              </a:rPr>
-              <a:t>그 감정에 해당하는 행동솔루션</a:t>
+            <a:endParaRPr lang="ko-KR" altLang="en-US" sz="2600">
+              <a:latin typeface="나눔스퀘어라운드 ExtraBold"/>
+              <a:ea typeface="나눔스퀘어라운드 ExtraBold"/>
+            </a:endParaRPr>
+          </a:p>
+          <a:p>
+            <a:pPr>
+              <a:defRPr/>
+            </a:pPr>
+            <a:r>
+              <a:rPr lang="ko-KR" altLang="en-US" sz="2600">
+                <a:latin typeface="나눔스퀘어라운드 ExtraBold"/>
+                <a:ea typeface="나눔스퀘어라운드 ExtraBold"/>
+              </a:rPr>
+              <a:t>이 기능을 통해 더욱 편하게 케어하고</a:t>
             </a:r>
             <a:r>
               <a:rPr lang="en-US" altLang="ko-KR" sz="2600">
@@ -5567,7 +5924,30 @@
                 <a:latin typeface="나눔스퀘어라운드 ExtraBold"/>
                 <a:ea typeface="나눔스퀘어라운드 ExtraBold"/>
               </a:rPr>
-              <a:t> 교감</a:t>
+              <a:t> 산책을 즐길 수 있겠죠</a:t>
+            </a:r>
+            <a:r>
+              <a:rPr lang="en-US" altLang="ko-KR" sz="2600">
+                <a:latin typeface="나눔스퀘어라운드 ExtraBold"/>
+                <a:ea typeface="나눔스퀘어라운드 ExtraBold"/>
+              </a:rPr>
+              <a:t>?</a:t>
+            </a:r>
+            <a:endParaRPr lang="en-US" altLang="ko-KR" sz="2600">
+              <a:latin typeface="나눔스퀘어라운드 ExtraBold"/>
+              <a:ea typeface="나눔스퀘어라운드 ExtraBold"/>
+            </a:endParaRPr>
+          </a:p>
+          <a:p>
+            <a:pPr>
+              <a:defRPr/>
+            </a:pPr>
+            <a:r>
+              <a:rPr lang="ko-KR" altLang="en-US" sz="2600">
+                <a:latin typeface="나눔스퀘어라운드 ExtraBold"/>
+                <a:ea typeface="나눔스퀘어라운드 ExtraBold"/>
+              </a:rPr>
+              <a:t>또한</a:t>
             </a:r>
             <a:r>
               <a:rPr lang="en-US" altLang="ko-KR" sz="2600">
@@ -5581,7 +5961,253 @@
                 <a:latin typeface="나눔스퀘어라운드 ExtraBold"/>
                 <a:ea typeface="나눔스퀘어라운드 ExtraBold"/>
               </a:rPr>
-              <a:t> 훈련의 결과를 사용자에게 나타냅니다</a:t>
+              <a:t> 일정에 맞게 메인홈과 마이페이지에서도 일정을 확인하실 수 있고</a:t>
+            </a:r>
+            <a:endParaRPr lang="ko-KR" altLang="en-US" sz="2600">
+              <a:latin typeface="나눔스퀘어라운드 ExtraBold"/>
+              <a:ea typeface="나눔스퀘어라운드 ExtraBold"/>
+            </a:endParaRPr>
+          </a:p>
+          <a:p>
+            <a:pPr>
+              <a:defRPr/>
+            </a:pPr>
+            <a:endParaRPr lang="ko-KR" altLang="en-US" sz="2600">
+              <a:latin typeface="나눔스퀘어라운드 ExtraBold"/>
+              <a:ea typeface="나눔스퀘어라운드 ExtraBold"/>
+            </a:endParaRPr>
+          </a:p>
+          <a:p>
+            <a:pPr>
+              <a:defRPr/>
+            </a:pPr>
+            <a:r>
+              <a:rPr lang="ko-KR" altLang="en-US" sz="2600">
+                <a:latin typeface="나눔스퀘어라운드 ExtraBold"/>
+                <a:ea typeface="나눔스퀘어라운드 ExtraBold"/>
+              </a:rPr>
+              <a:t>일정에 맞춰 푸시알림을 보내드리기때문에 잊지않고</a:t>
+            </a:r>
+            <a:endParaRPr lang="ko-KR" altLang="en-US" sz="2600">
+              <a:latin typeface="나눔스퀘어라운드 ExtraBold"/>
+              <a:ea typeface="나눔스퀘어라운드 ExtraBold"/>
+            </a:endParaRPr>
+          </a:p>
+          <a:p>
+            <a:pPr>
+              <a:defRPr/>
+            </a:pPr>
+            <a:r>
+              <a:rPr lang="ko-KR" altLang="en-US" sz="2600">
+                <a:latin typeface="나눔스퀘어라운드 ExtraBold"/>
+                <a:ea typeface="나눔스퀘어라운드 ExtraBold"/>
+              </a:rPr>
+              <a:t>반려동물의 일정을 진행하실 수 있습니다</a:t>
+            </a:r>
+            <a:r>
+              <a:rPr lang="en-US" altLang="ko-KR" sz="2600">
+                <a:latin typeface="나눔스퀘어라운드 ExtraBold"/>
+                <a:ea typeface="나눔스퀘어라운드 ExtraBold"/>
+              </a:rPr>
+              <a:t>.</a:t>
+            </a:r>
+            <a:endParaRPr lang="en-US" altLang="ko-KR" sz="2600">
+              <a:latin typeface="나눔스퀘어라운드 ExtraBold"/>
+              <a:ea typeface="나눔스퀘어라운드 ExtraBold"/>
+            </a:endParaRPr>
+          </a:p>
+        </p:txBody>
+      </p:sp>
+    </p:spTree>
+  </p:cSld>
+  <p:clrMapOvr>
+    <a:masterClrMapping/>
+  </p:clrMapOvr>
+  <mc:AlternateContent xmlns:mc="http://schemas.openxmlformats.org/markup-compatibility/2006">
+    <mc:Choice xmlns:p14="http://schemas.microsoft.com/office/powerpoint/2010/main" Requires="p14">
+      <p:transition xmlns:mc="http://schemas.openxmlformats.org/markup-compatibility/2006" xmlns:p14="http://schemas.microsoft.com/office/powerpoint/2010/main" mc:Ignorable="p14" p14:dur="500"/>
+    </mc:Choice>
+    <mc:Fallback>
+      <p:transition/>
+    </mc:Fallback>
+  </mc:AlternateContent>
+</p:sld>
+</file>
+
+<file path=ppt/slides/slide19.xml><?xml version="1.0" encoding="utf-8"?>
+<p:sld xmlns:r="http://schemas.openxmlformats.org/officeDocument/2006/relationships" xmlns:c="http://schemas.openxmlformats.org/drawingml/2006/chart" xmlns:a="http://schemas.openxmlformats.org/drawingml/2006/main" xmlns:dgm="http://schemas.openxmlformats.org/drawingml/2006/diagram" xmlns:dsp="http://schemas.microsoft.com/office/drawing/2008/diagram" xmlns:p="http://schemas.openxmlformats.org/presentationml/2006/main">
+  <p:cSld>
+    <p:spTree>
+      <p:nvGrpSpPr>
+        <p:cNvPr id="1" name=""/>
+        <p:cNvGrpSpPr/>
+        <p:nvPr/>
+      </p:nvGrpSpPr>
+      <p:grpSpPr>
+        <a:xfrm>
+          <a:off x="0" y="0"/>
+          <a:ext cx="0" cy="0"/>
+          <a:chOff x="0" y="0"/>
+          <a:chExt cx="0" cy="0"/>
+        </a:xfrm>
+      </p:grpSpPr>
+      <p:sp>
+        <p:nvSpPr>
+          <p:cNvPr id="4" name=""/>
+          <p:cNvSpPr txBox="1"/>
+          <p:nvPr/>
+        </p:nvSpPr>
+        <p:spPr>
+          <a:xfrm>
+            <a:off x="1900536" y="1801754"/>
+            <a:ext cx="8390928" cy="2854066"/>
+          </a:xfrm>
+          <a:prstGeom prst="rect">
+            <a:avLst/>
+          </a:prstGeom>
+        </p:spPr>
+        <p:txBody>
+          <a:bodyPr wrap="square">
+            <a:spAutoFit/>
+          </a:bodyPr>
+          <a:lstStyle/>
+          <a:p>
+            <a:pPr>
+              <a:defRPr/>
+            </a:pPr>
+            <a:r>
+              <a:rPr lang="ko-KR" altLang="en-US" sz="2600">
+                <a:latin typeface="나눔스퀘어라운드 ExtraBold"/>
+                <a:ea typeface="나눔스퀘어라운드 ExtraBold"/>
+              </a:rPr>
+              <a:t>네번째 기능인 커뮤니티입니다</a:t>
+            </a:r>
+            <a:r>
+              <a:rPr lang="en-US" altLang="ko-KR" sz="2600">
+                <a:latin typeface="나눔스퀘어라운드 ExtraBold"/>
+                <a:ea typeface="나눔스퀘어라운드 ExtraBold"/>
+              </a:rPr>
+              <a:t>.</a:t>
+            </a:r>
+            <a:endParaRPr lang="en-US" altLang="ko-KR" sz="2600">
+              <a:latin typeface="나눔스퀘어라운드 ExtraBold"/>
+              <a:ea typeface="나눔스퀘어라운드 ExtraBold"/>
+            </a:endParaRPr>
+          </a:p>
+          <a:p>
+            <a:pPr>
+              <a:defRPr/>
+            </a:pPr>
+            <a:r>
+              <a:rPr lang="ko-KR" altLang="en-US" sz="2600">
+                <a:latin typeface="나눔스퀘어라운드 ExtraBold"/>
+                <a:ea typeface="나눔스퀘어라운드 ExtraBold"/>
+              </a:rPr>
+              <a:t>저희는 총 </a:t>
+            </a:r>
+            <a:r>
+              <a:rPr lang="en-US" altLang="ko-KR" sz="2600">
+                <a:latin typeface="나눔스퀘어라운드 ExtraBold"/>
+                <a:ea typeface="나눔스퀘어라운드 ExtraBold"/>
+              </a:rPr>
+              <a:t>4</a:t>
+            </a:r>
+            <a:r>
+              <a:rPr lang="ko-KR" altLang="en-US" sz="2600">
+                <a:latin typeface="나눔스퀘어라운드 ExtraBold"/>
+                <a:ea typeface="나눔스퀘어라운드 ExtraBold"/>
+              </a:rPr>
+              <a:t>개의 커뮤니티가 있는데</a:t>
+            </a:r>
+            <a:endParaRPr lang="ko-KR" altLang="en-US" sz="2600">
+              <a:latin typeface="나눔스퀘어라운드 ExtraBold"/>
+              <a:ea typeface="나눔스퀘어라운드 ExtraBold"/>
+            </a:endParaRPr>
+          </a:p>
+          <a:p>
+            <a:pPr>
+              <a:defRPr/>
+            </a:pPr>
+            <a:r>
+              <a:rPr lang="ko-KR" altLang="en-US" sz="2600">
+                <a:latin typeface="나눔스퀘어라운드 ExtraBold"/>
+                <a:ea typeface="나눔스퀘어라운드 ExtraBold"/>
+              </a:rPr>
+              <a:t>먼저 울동네 커뮤니티입니다</a:t>
+            </a:r>
+            <a:r>
+              <a:rPr lang="en-US" altLang="ko-KR" sz="2600">
+                <a:latin typeface="나눔스퀘어라운드 ExtraBold"/>
+                <a:ea typeface="나눔스퀘어라운드 ExtraBold"/>
+              </a:rPr>
+              <a:t>.</a:t>
+            </a:r>
+            <a:endParaRPr lang="en-US" altLang="ko-KR" sz="2600">
+              <a:latin typeface="나눔스퀘어라운드 ExtraBold"/>
+              <a:ea typeface="나눔스퀘어라운드 ExtraBold"/>
+            </a:endParaRPr>
+          </a:p>
+          <a:p>
+            <a:pPr>
+              <a:defRPr/>
+            </a:pPr>
+            <a:endParaRPr lang="en-US" altLang="ko-KR" sz="2600">
+              <a:latin typeface="나눔스퀘어라운드 ExtraBold"/>
+              <a:ea typeface="나눔스퀘어라운드 ExtraBold"/>
+            </a:endParaRPr>
+          </a:p>
+          <a:p>
+            <a:pPr>
+              <a:defRPr/>
+            </a:pPr>
+            <a:r>
+              <a:rPr lang="ko-KR" altLang="en-US" sz="2600">
+                <a:latin typeface="나눔스퀘어라운드 ExtraBold"/>
+                <a:ea typeface="나눔스퀘어라운드 ExtraBold"/>
+              </a:rPr>
+              <a:t>이 커뮤니티는 마치 당근처럼</a:t>
+            </a:r>
+            <a:r>
+              <a:rPr lang="en-US" altLang="ko-KR" sz="2600">
+                <a:latin typeface="나눔스퀘어라운드 ExtraBold"/>
+                <a:ea typeface="나눔스퀘어라운드 ExtraBold"/>
+              </a:rPr>
+              <a:t>!</a:t>
+            </a:r>
+            <a:r>
+              <a:rPr lang="ko-KR" altLang="en-US" sz="2600">
+                <a:latin typeface="나눔스퀘어라운드 ExtraBold"/>
+                <a:ea typeface="나눔스퀘어라운드 ExtraBold"/>
+              </a:rPr>
+              <a:t> 반경 </a:t>
+            </a:r>
+            <a:r>
+              <a:rPr lang="en-US" altLang="ko-KR" sz="2600">
+                <a:latin typeface="나눔스퀘어라운드 ExtraBold"/>
+                <a:ea typeface="나눔스퀘어라운드 ExtraBold"/>
+              </a:rPr>
+              <a:t>10</a:t>
+            </a:r>
+            <a:r>
+              <a:rPr lang="ko-KR" altLang="en-US" sz="2600">
+                <a:latin typeface="나눔스퀘어라운드 ExtraBold"/>
+                <a:ea typeface="나눔스퀘어라운드 ExtraBold"/>
+              </a:rPr>
+              <a:t>키로미터의 동네주민들과 펫용품들을 거래하거나 동네의 펫호텔</a:t>
+            </a:r>
+            <a:r>
+              <a:rPr lang="en-US" altLang="ko-KR" sz="2600">
+                <a:latin typeface="나눔스퀘어라운드 ExtraBold"/>
+                <a:ea typeface="나눔스퀘어라운드 ExtraBold"/>
+              </a:rPr>
+              <a:t>,</a:t>
+            </a:r>
+            <a:r>
+              <a:rPr lang="ko-KR" altLang="en-US" sz="2600">
+                <a:latin typeface="나눔스퀘어라운드 ExtraBold"/>
+                <a:ea typeface="나눔스퀘어라운드 ExtraBold"/>
+              </a:rPr>
+              <a:t> 펫케어시설등 꿀팁을 주고받을 수 있는 커뮤니티입니다</a:t>
             </a:r>
             <a:r>
               <a:rPr lang="en-US" altLang="ko-KR" sz="2600">
@@ -5762,6 +6388,1328 @@
                 <a:ea typeface="나눔스퀘어라운드 ExtraBold"/>
               </a:rPr>
               <a:t>.</a:t>
+            </a:r>
+            <a:endParaRPr lang="en-US" altLang="ko-KR" sz="2600">
+              <a:latin typeface="나눔스퀘어라운드 ExtraBold"/>
+              <a:ea typeface="나눔스퀘어라운드 ExtraBold"/>
+            </a:endParaRPr>
+          </a:p>
+        </p:txBody>
+      </p:sp>
+    </p:spTree>
+  </p:cSld>
+  <p:clrMapOvr>
+    <a:masterClrMapping/>
+  </p:clrMapOvr>
+  <mc:AlternateContent xmlns:mc="http://schemas.openxmlformats.org/markup-compatibility/2006">
+    <mc:Choice xmlns:p14="http://schemas.microsoft.com/office/powerpoint/2010/main" Requires="p14">
+      <p:transition xmlns:mc="http://schemas.openxmlformats.org/markup-compatibility/2006" xmlns:p14="http://schemas.microsoft.com/office/powerpoint/2010/main" mc:Ignorable="p14" p14:dur="500"/>
+    </mc:Choice>
+    <mc:Fallback>
+      <p:transition/>
+    </mc:Fallback>
+  </mc:AlternateContent>
+</p:sld>
+</file>
+
+<file path=ppt/slides/slide20.xml><?xml version="1.0" encoding="utf-8"?>
+<p:sld xmlns:r="http://schemas.openxmlformats.org/officeDocument/2006/relationships" xmlns:c="http://schemas.openxmlformats.org/drawingml/2006/chart" xmlns:a="http://schemas.openxmlformats.org/drawingml/2006/main" xmlns:dgm="http://schemas.openxmlformats.org/drawingml/2006/diagram" xmlns:dsp="http://schemas.microsoft.com/office/drawing/2008/diagram" xmlns:p="http://schemas.openxmlformats.org/presentationml/2006/main">
+  <p:cSld>
+    <p:spTree>
+      <p:nvGrpSpPr>
+        <p:cNvPr id="1" name=""/>
+        <p:cNvGrpSpPr/>
+        <p:nvPr/>
+      </p:nvGrpSpPr>
+      <p:grpSpPr>
+        <a:xfrm>
+          <a:off x="0" y="0"/>
+          <a:ext cx="0" cy="0"/>
+          <a:chOff x="0" y="0"/>
+          <a:chExt cx="0" cy="0"/>
+        </a:xfrm>
+      </p:grpSpPr>
+      <p:sp>
+        <p:nvSpPr>
+          <p:cNvPr id="4" name=""/>
+          <p:cNvSpPr txBox="1"/>
+          <p:nvPr/>
+        </p:nvSpPr>
+        <p:spPr>
+          <a:xfrm>
+            <a:off x="1621354" y="1588262"/>
+            <a:ext cx="8390928" cy="4044691"/>
+          </a:xfrm>
+          <a:prstGeom prst="rect">
+            <a:avLst/>
+          </a:prstGeom>
+        </p:spPr>
+        <p:txBody>
+          <a:bodyPr wrap="square">
+            <a:spAutoFit/>
+          </a:bodyPr>
+          <a:lstStyle/>
+          <a:p>
+            <a:pPr>
+              <a:defRPr/>
+            </a:pPr>
+            <a:r>
+              <a:rPr lang="ko-KR" altLang="en-US" sz="2600">
+                <a:latin typeface="나눔스퀘어라운드 ExtraBold"/>
+                <a:ea typeface="나눔스퀘어라운드 ExtraBold"/>
+              </a:rPr>
+              <a:t>두번째로 알려줘 커뮤니티입니다</a:t>
+            </a:r>
+            <a:r>
+              <a:rPr lang="en-US" altLang="ko-KR" sz="2600">
+                <a:latin typeface="나눔스퀘어라운드 ExtraBold"/>
+                <a:ea typeface="나눔스퀘어라운드 ExtraBold"/>
+              </a:rPr>
+              <a:t>.</a:t>
+            </a:r>
+            <a:endParaRPr lang="en-US" altLang="ko-KR" sz="2600">
+              <a:latin typeface="나눔스퀘어라운드 ExtraBold"/>
+              <a:ea typeface="나눔스퀘어라운드 ExtraBold"/>
+            </a:endParaRPr>
+          </a:p>
+          <a:p>
+            <a:pPr>
+              <a:defRPr/>
+            </a:pPr>
+            <a:endParaRPr lang="en-US" altLang="ko-KR" sz="2600">
+              <a:latin typeface="나눔스퀘어라운드 ExtraBold"/>
+              <a:ea typeface="나눔스퀘어라운드 ExtraBold"/>
+            </a:endParaRPr>
+          </a:p>
+          <a:p>
+            <a:pPr>
+              <a:defRPr/>
+            </a:pPr>
+            <a:r>
+              <a:rPr lang="ko-KR" altLang="en-US" sz="2600">
+                <a:latin typeface="나눔스퀘어라운드 ExtraBold"/>
+                <a:ea typeface="나눔스퀘어라운드 ExtraBold"/>
+              </a:rPr>
+              <a:t>유투브 </a:t>
+            </a:r>
+            <a:r>
+              <a:rPr lang="en-US" altLang="ko-KR" sz="2600">
+                <a:latin typeface="나눔스퀘어라운드 ExtraBold"/>
+                <a:ea typeface="나눔스퀘어라운드 ExtraBold"/>
+              </a:rPr>
+              <a:t>api</a:t>
+            </a:r>
+            <a:r>
+              <a:rPr lang="ko-KR" altLang="en-US" sz="2600">
+                <a:latin typeface="나눔스퀘어라운드 ExtraBold"/>
+                <a:ea typeface="나눔스퀘어라운드 ExtraBold"/>
+              </a:rPr>
+              <a:t>를 사용해 전문가가 알려주는 반려동물의 훈련 및 교감방법들을 찾고 이를 웹뷰로 바로 앱위에서 영상을 확인하실 수 있습니다</a:t>
+            </a:r>
+            <a:r>
+              <a:rPr lang="en-US" altLang="ko-KR" sz="2600">
+                <a:latin typeface="나눔스퀘어라운드 ExtraBold"/>
+                <a:ea typeface="나눔스퀘어라운드 ExtraBold"/>
+              </a:rPr>
+              <a:t>.</a:t>
+            </a:r>
+            <a:endParaRPr lang="en-US" altLang="ko-KR" sz="2600">
+              <a:latin typeface="나눔스퀘어라운드 ExtraBold"/>
+              <a:ea typeface="나눔스퀘어라운드 ExtraBold"/>
+            </a:endParaRPr>
+          </a:p>
+          <a:p>
+            <a:pPr>
+              <a:defRPr/>
+            </a:pPr>
+            <a:endParaRPr lang="en-US" altLang="ko-KR" sz="2600">
+              <a:latin typeface="나눔스퀘어라운드 ExtraBold"/>
+              <a:ea typeface="나눔스퀘어라운드 ExtraBold"/>
+            </a:endParaRPr>
+          </a:p>
+          <a:p>
+            <a:pPr>
+              <a:defRPr/>
+            </a:pPr>
+            <a:r>
+              <a:rPr lang="ko-KR" altLang="en-US" sz="2600">
+                <a:latin typeface="나눔스퀘어라운드 ExtraBold"/>
+                <a:ea typeface="나눔스퀘어라운드 ExtraBold"/>
+              </a:rPr>
+              <a:t>강아지에 관한 영상은 개통령 강형욱훈련사의 영상을 사용하였고 고양이의 관련 영상은 </a:t>
+            </a:r>
+            <a:r>
+              <a:rPr lang="en-US" altLang="ko-KR" sz="2600">
+                <a:latin typeface="나눔스퀘어라운드 ExtraBold"/>
+                <a:ea typeface="나눔스퀘어라운드 ExtraBold"/>
+              </a:rPr>
+              <a:t>‘’</a:t>
+            </a:r>
+            <a:r>
+              <a:rPr lang="ko-KR" altLang="en-US" sz="2600">
+                <a:latin typeface="나눔스퀘어라운드 ExtraBold"/>
+                <a:ea typeface="나눔스퀘어라운드 ExtraBold"/>
+              </a:rPr>
+              <a:t>유투브를 통해 알려드립니다</a:t>
+            </a:r>
+            <a:r>
+              <a:rPr lang="en-US" altLang="ko-KR" sz="2600">
+                <a:latin typeface="나눔스퀘어라운드 ExtraBold"/>
+                <a:ea typeface="나눔스퀘어라운드 ExtraBold"/>
+              </a:rPr>
+              <a:t>.</a:t>
+            </a:r>
+            <a:endParaRPr lang="en-US" altLang="ko-KR" sz="2600">
+              <a:latin typeface="나눔스퀘어라운드 ExtraBold"/>
+              <a:ea typeface="나눔스퀘어라운드 ExtraBold"/>
+            </a:endParaRPr>
+          </a:p>
+          <a:p>
+            <a:pPr>
+              <a:defRPr/>
+            </a:pPr>
+            <a:endParaRPr lang="en-US" altLang="ko-KR" sz="2600">
+              <a:latin typeface="나눔스퀘어라운드 ExtraBold"/>
+              <a:ea typeface="나눔스퀘어라운드 ExtraBold"/>
+            </a:endParaRPr>
+          </a:p>
+          <a:p>
+            <a:pPr>
+              <a:defRPr/>
+            </a:pPr>
+            <a:r>
+              <a:rPr lang="ko-KR" altLang="en-US" sz="2600">
+                <a:latin typeface="나눔스퀘어라운드 ExtraBold"/>
+                <a:ea typeface="나눔스퀘어라운드 ExtraBold"/>
+              </a:rPr>
+              <a:t>더욱 편하게 찾아볼수 있게 분류도 모두 나누었습니다</a:t>
+            </a:r>
+            <a:r>
+              <a:rPr lang="en-US" altLang="ko-KR" sz="2600">
+                <a:latin typeface="나눔스퀘어라운드 ExtraBold"/>
+                <a:ea typeface="나눔스퀘어라운드 ExtraBold"/>
+              </a:rPr>
+              <a:t>.</a:t>
+            </a:r>
+            <a:endParaRPr lang="en-US" altLang="ko-KR" sz="2600">
+              <a:latin typeface="나눔스퀘어라운드 ExtraBold"/>
+              <a:ea typeface="나눔스퀘어라운드 ExtraBold"/>
+            </a:endParaRPr>
+          </a:p>
+        </p:txBody>
+      </p:sp>
+    </p:spTree>
+  </p:cSld>
+  <p:clrMapOvr>
+    <a:masterClrMapping/>
+  </p:clrMapOvr>
+  <mc:AlternateContent xmlns:mc="http://schemas.openxmlformats.org/markup-compatibility/2006">
+    <mc:Choice xmlns:p14="http://schemas.microsoft.com/office/powerpoint/2010/main" Requires="p14">
+      <p:transition xmlns:mc="http://schemas.openxmlformats.org/markup-compatibility/2006" xmlns:p14="http://schemas.microsoft.com/office/powerpoint/2010/main" mc:Ignorable="p14" p14:dur="500"/>
+    </mc:Choice>
+    <mc:Fallback>
+      <p:transition/>
+    </mc:Fallback>
+  </mc:AlternateContent>
+</p:sld>
+</file>
+
+<file path=ppt/slides/slide21.xml><?xml version="1.0" encoding="utf-8"?>
+<p:sld xmlns:r="http://schemas.openxmlformats.org/officeDocument/2006/relationships" xmlns:c="http://schemas.openxmlformats.org/drawingml/2006/chart" xmlns:a="http://schemas.openxmlformats.org/drawingml/2006/main" xmlns:dgm="http://schemas.openxmlformats.org/drawingml/2006/diagram" xmlns:dsp="http://schemas.microsoft.com/office/drawing/2008/diagram" xmlns:p="http://schemas.openxmlformats.org/presentationml/2006/main">
+  <p:cSld>
+    <p:spTree>
+      <p:nvGrpSpPr>
+        <p:cNvPr id="1" name=""/>
+        <p:cNvGrpSpPr/>
+        <p:nvPr/>
+      </p:nvGrpSpPr>
+      <p:grpSpPr>
+        <a:xfrm>
+          <a:off x="0" y="0"/>
+          <a:ext cx="0" cy="0"/>
+          <a:chOff x="0" y="0"/>
+          <a:chExt cx="0" cy="0"/>
+        </a:xfrm>
+      </p:grpSpPr>
+      <p:sp>
+        <p:nvSpPr>
+          <p:cNvPr id="4" name=""/>
+          <p:cNvSpPr txBox="1"/>
+          <p:nvPr/>
+        </p:nvSpPr>
+        <p:spPr>
+          <a:xfrm>
+            <a:off x="1621354" y="1588262"/>
+            <a:ext cx="8390928" cy="3258058"/>
+          </a:xfrm>
+          <a:prstGeom prst="rect">
+            <a:avLst/>
+          </a:prstGeom>
+        </p:spPr>
+        <p:txBody>
+          <a:bodyPr wrap="square">
+            <a:spAutoFit/>
+          </a:bodyPr>
+          <a:lstStyle/>
+          <a:p>
+            <a:pPr>
+              <a:defRPr/>
+            </a:pPr>
+            <a:r>
+              <a:rPr lang="ko-KR" altLang="en-US" sz="2600">
+                <a:latin typeface="나눔스퀘어라운드 ExtraBold"/>
+                <a:ea typeface="나눔스퀘어라운드 ExtraBold"/>
+              </a:rPr>
+              <a:t>세번째로 공유해 커뮤니티입니다</a:t>
+            </a:r>
+            <a:r>
+              <a:rPr lang="en-US" altLang="ko-KR" sz="2600">
+                <a:latin typeface="나눔스퀘어라운드 ExtraBold"/>
+                <a:ea typeface="나눔스퀘어라운드 ExtraBold"/>
+              </a:rPr>
+              <a:t>.</a:t>
+            </a:r>
+            <a:endParaRPr lang="en-US" altLang="ko-KR" sz="2600">
+              <a:latin typeface="나눔스퀘어라운드 ExtraBold"/>
+              <a:ea typeface="나눔스퀘어라운드 ExtraBold"/>
+            </a:endParaRPr>
+          </a:p>
+          <a:p>
+            <a:pPr>
+              <a:defRPr/>
+            </a:pPr>
+            <a:endParaRPr lang="en-US" altLang="ko-KR" sz="2600">
+              <a:latin typeface="나눔스퀘어라운드 ExtraBold"/>
+              <a:ea typeface="나눔스퀘어라운드 ExtraBold"/>
+            </a:endParaRPr>
+          </a:p>
+          <a:p>
+            <a:pPr>
+              <a:defRPr/>
+            </a:pPr>
+            <a:r>
+              <a:rPr lang="ko-KR" altLang="en-US" sz="2600">
+                <a:latin typeface="나눔스퀘어라운드 ExtraBold"/>
+                <a:ea typeface="나눔스퀘어라운드 ExtraBold"/>
+              </a:rPr>
+              <a:t>우리 아이 귀여운거 세상에 모두 알리고싶어하는 반려인들을 위한 공간입니다</a:t>
+            </a:r>
+            <a:r>
+              <a:rPr lang="en-US" altLang="ko-KR" sz="2600">
+                <a:latin typeface="나눔스퀘어라운드 ExtraBold"/>
+                <a:ea typeface="나눔스퀘어라운드 ExtraBold"/>
+              </a:rPr>
+              <a:t>.</a:t>
+            </a:r>
+            <a:endParaRPr lang="en-US" altLang="ko-KR" sz="2600">
+              <a:latin typeface="나눔스퀘어라운드 ExtraBold"/>
+              <a:ea typeface="나눔스퀘어라운드 ExtraBold"/>
+            </a:endParaRPr>
+          </a:p>
+          <a:p>
+            <a:pPr>
+              <a:defRPr/>
+            </a:pPr>
+            <a:endParaRPr lang="en-US" altLang="ko-KR" sz="2600">
+              <a:latin typeface="나눔스퀘어라운드 ExtraBold"/>
+              <a:ea typeface="나눔스퀘어라운드 ExtraBold"/>
+            </a:endParaRPr>
+          </a:p>
+          <a:p>
+            <a:pPr>
+              <a:defRPr/>
+            </a:pPr>
+            <a:r>
+              <a:rPr lang="ko-KR" altLang="en-US" sz="2600">
+                <a:latin typeface="나눔스퀘어라운드 ExtraBold"/>
+                <a:ea typeface="나눔스퀘어라운드 ExtraBold"/>
+              </a:rPr>
+              <a:t>귀여운 사진을 올려 유저들에게 자랑하고 댓글로 소통해보세요 이 공간을 통해 나의 반려동물을 모두에게 자랑할 수 잇습니다</a:t>
+            </a:r>
+            <a:r>
+              <a:rPr lang="en-US" altLang="ko-KR" sz="2600">
+                <a:latin typeface="나눔스퀘어라운드 ExtraBold"/>
+                <a:ea typeface="나눔스퀘어라운드 ExtraBold"/>
+              </a:rPr>
+              <a:t>.1!!</a:t>
+            </a:r>
+            <a:endParaRPr lang="en-US" altLang="ko-KR" sz="2600">
+              <a:latin typeface="나눔스퀘어라운드 ExtraBold"/>
+              <a:ea typeface="나눔스퀘어라운드 ExtraBold"/>
+            </a:endParaRPr>
+          </a:p>
+        </p:txBody>
+      </p:sp>
+    </p:spTree>
+  </p:cSld>
+  <p:clrMapOvr>
+    <a:masterClrMapping/>
+  </p:clrMapOvr>
+  <mc:AlternateContent xmlns:mc="http://schemas.openxmlformats.org/markup-compatibility/2006">
+    <mc:Choice xmlns:p14="http://schemas.microsoft.com/office/powerpoint/2010/main" Requires="p14">
+      <p:transition xmlns:mc="http://schemas.openxmlformats.org/markup-compatibility/2006" xmlns:p14="http://schemas.microsoft.com/office/powerpoint/2010/main" mc:Ignorable="p14" p14:dur="500"/>
+    </mc:Choice>
+    <mc:Fallback>
+      <p:transition/>
+    </mc:Fallback>
+  </mc:AlternateContent>
+</p:sld>
+</file>
+
+<file path=ppt/slides/slide22.xml><?xml version="1.0" encoding="utf-8"?>
+<p:sld xmlns:r="http://schemas.openxmlformats.org/officeDocument/2006/relationships" xmlns:c="http://schemas.openxmlformats.org/drawingml/2006/chart" xmlns:a="http://schemas.openxmlformats.org/drawingml/2006/main" xmlns:dgm="http://schemas.openxmlformats.org/drawingml/2006/diagram" xmlns:dsp="http://schemas.microsoft.com/office/drawing/2008/diagram" xmlns:p="http://schemas.openxmlformats.org/presentationml/2006/main">
+  <p:cSld>
+    <p:spTree>
+      <p:nvGrpSpPr>
+        <p:cNvPr id="1" name=""/>
+        <p:cNvGrpSpPr/>
+        <p:nvPr/>
+      </p:nvGrpSpPr>
+      <p:grpSpPr>
+        <a:xfrm>
+          <a:off x="0" y="0"/>
+          <a:ext cx="0" cy="0"/>
+          <a:chOff x="0" y="0"/>
+          <a:chExt cx="0" cy="0"/>
+        </a:xfrm>
+      </p:grpSpPr>
+      <p:sp>
+        <p:nvSpPr>
+          <p:cNvPr id="4" name=""/>
+          <p:cNvSpPr txBox="1"/>
+          <p:nvPr/>
+        </p:nvSpPr>
+        <p:spPr>
+          <a:xfrm>
+            <a:off x="1621354" y="1588260"/>
+            <a:ext cx="8390928" cy="4048635"/>
+          </a:xfrm>
+          <a:prstGeom prst="rect">
+            <a:avLst/>
+          </a:prstGeom>
+        </p:spPr>
+        <p:txBody>
+          <a:bodyPr wrap="square">
+            <a:spAutoFit/>
+          </a:bodyPr>
+          <a:lstStyle/>
+          <a:p>
+            <a:pPr>
+              <a:defRPr/>
+            </a:pPr>
+            <a:r>
+              <a:rPr lang="ko-KR" altLang="en-US" sz="2600">
+                <a:latin typeface="나눔스퀘어라운드 ExtraBold"/>
+                <a:ea typeface="나눔스퀘어라운드 ExtraBold"/>
+              </a:rPr>
+              <a:t>네번째로 궁금해 커뮤니티입니다</a:t>
+            </a:r>
+            <a:r>
+              <a:rPr lang="en-US" altLang="ko-KR" sz="2600">
+                <a:latin typeface="나눔스퀘어라운드 ExtraBold"/>
+                <a:ea typeface="나눔스퀘어라운드 ExtraBold"/>
+              </a:rPr>
+              <a:t>.</a:t>
+            </a:r>
+            <a:endParaRPr lang="en-US" altLang="ko-KR" sz="2600">
+              <a:latin typeface="나눔스퀘어라운드 ExtraBold"/>
+              <a:ea typeface="나눔스퀘어라운드 ExtraBold"/>
+            </a:endParaRPr>
+          </a:p>
+          <a:p>
+            <a:pPr>
+              <a:defRPr/>
+            </a:pPr>
+            <a:endParaRPr lang="en-US" altLang="ko-KR" sz="2600">
+              <a:latin typeface="나눔스퀘어라운드 ExtraBold"/>
+              <a:ea typeface="나눔스퀘어라운드 ExtraBold"/>
+            </a:endParaRPr>
+          </a:p>
+          <a:p>
+            <a:pPr>
+              <a:defRPr/>
+            </a:pPr>
+            <a:r>
+              <a:rPr lang="ko-KR" altLang="en-US" sz="2600">
+                <a:latin typeface="나눔스퀘어라운드 ExtraBold"/>
+                <a:ea typeface="나눔스퀘어라운드 ExtraBold"/>
+              </a:rPr>
+              <a:t>반려동물과 함께하다보면 생기는 궁금증들 언제까지 네이버 지식인에 물어보나요 저희 어플하나로 훈육부터 지식인까지 모두 사용가능합니다</a:t>
+            </a:r>
+            <a:r>
+              <a:rPr lang="en-US" altLang="ko-KR" sz="2600">
+                <a:latin typeface="나눔스퀘어라운드 ExtraBold"/>
+                <a:ea typeface="나눔스퀘어라운드 ExtraBold"/>
+              </a:rPr>
+              <a:t>.</a:t>
+            </a:r>
+            <a:endParaRPr lang="en-US" altLang="ko-KR" sz="2600">
+              <a:latin typeface="나눔스퀘어라운드 ExtraBold"/>
+              <a:ea typeface="나눔스퀘어라운드 ExtraBold"/>
+            </a:endParaRPr>
+          </a:p>
+          <a:p>
+            <a:pPr>
+              <a:defRPr/>
+            </a:pPr>
+            <a:endParaRPr lang="en-US" altLang="ko-KR" sz="2600">
+              <a:latin typeface="나눔스퀘어라운드 ExtraBold"/>
+              <a:ea typeface="나눔스퀘어라운드 ExtraBold"/>
+            </a:endParaRPr>
+          </a:p>
+          <a:p>
+            <a:pPr>
+              <a:defRPr/>
+            </a:pPr>
+            <a:r>
+              <a:rPr lang="ko-KR" altLang="en-US" sz="2600">
+                <a:latin typeface="나눔스퀘어라운드 ExtraBold"/>
+                <a:ea typeface="나눔스퀘어라운드 ExtraBold"/>
+              </a:rPr>
+              <a:t>큣캣독 지식인 서비스를 통해 우리아이가 갑자기 아플때</a:t>
+            </a:r>
+            <a:r>
+              <a:rPr lang="en-US" altLang="ko-KR" sz="2600">
+                <a:latin typeface="나눔스퀘어라운드 ExtraBold"/>
+                <a:ea typeface="나눔스퀘어라운드 ExtraBold"/>
+              </a:rPr>
+              <a:t>,</a:t>
+            </a:r>
+            <a:r>
+              <a:rPr lang="ko-KR" altLang="en-US" sz="2600">
+                <a:latin typeface="나눔스퀘어라운드 ExtraBold"/>
+                <a:ea typeface="나눔스퀘어라운드 ExtraBold"/>
+              </a:rPr>
+              <a:t> 우리아이가 이상한 행동을 할때 등등 모두 유저들에게 물어보세요</a:t>
+            </a:r>
+            <a:r>
+              <a:rPr lang="en-US" altLang="ko-KR" sz="2600">
+                <a:latin typeface="나눔스퀘어라운드 ExtraBold"/>
+                <a:ea typeface="나눔스퀘어라운드 ExtraBold"/>
+              </a:rPr>
+              <a:t>!</a:t>
+            </a:r>
+            <a:endParaRPr lang="en-US" altLang="ko-KR" sz="2600">
+              <a:latin typeface="나눔스퀘어라운드 ExtraBold"/>
+              <a:ea typeface="나눔스퀘어라운드 ExtraBold"/>
+            </a:endParaRPr>
+          </a:p>
+          <a:p>
+            <a:pPr>
+              <a:defRPr/>
+            </a:pPr>
+            <a:endParaRPr lang="en-US" altLang="ko-KR" sz="2600">
+              <a:latin typeface="나눔스퀘어라운드 ExtraBold"/>
+              <a:ea typeface="나눔스퀘어라운드 ExtraBold"/>
+            </a:endParaRPr>
+          </a:p>
+          <a:p>
+            <a:pPr>
+              <a:tabLst>
+                <a:tab pos="3136681" algn="l"/>
+              </a:tabLst>
+              <a:defRPr/>
+            </a:pPr>
+            <a:r>
+              <a:rPr lang="ko-KR" altLang="en-US" sz="2600">
+                <a:latin typeface="나눔스퀘어라운드 ExtraBold"/>
+                <a:ea typeface="나눔스퀘어라운드 ExtraBold"/>
+              </a:rPr>
+              <a:t>댓글을 통해 경험이 있는 유저들이 대답해드릴겁니다</a:t>
+            </a:r>
+            <a:r>
+              <a:rPr lang="en-US" altLang="ko-KR" sz="2600">
+                <a:latin typeface="나눔스퀘어라운드 ExtraBold"/>
+                <a:ea typeface="나눔스퀘어라운드 ExtraBold"/>
+              </a:rPr>
+              <a:t>!</a:t>
+            </a:r>
+            <a:endParaRPr lang="en-US" altLang="ko-KR" sz="2600">
+              <a:latin typeface="나눔스퀘어라운드 ExtraBold"/>
+              <a:ea typeface="나눔스퀘어라운드 ExtraBold"/>
+            </a:endParaRPr>
+          </a:p>
+        </p:txBody>
+      </p:sp>
+    </p:spTree>
+  </p:cSld>
+  <p:clrMapOvr>
+    <a:masterClrMapping/>
+  </p:clrMapOvr>
+  <mc:AlternateContent xmlns:mc="http://schemas.openxmlformats.org/markup-compatibility/2006">
+    <mc:Choice xmlns:p14="http://schemas.microsoft.com/office/powerpoint/2010/main" Requires="p14">
+      <p:transition xmlns:mc="http://schemas.openxmlformats.org/markup-compatibility/2006" xmlns:p14="http://schemas.microsoft.com/office/powerpoint/2010/main" mc:Ignorable="p14" p14:dur="500"/>
+    </mc:Choice>
+    <mc:Fallback>
+      <p:transition/>
+    </mc:Fallback>
+  </mc:AlternateContent>
+</p:sld>
+</file>
+
+<file path=ppt/slides/slide23.xml><?xml version="1.0" encoding="utf-8"?>
+<p:sld xmlns:r="http://schemas.openxmlformats.org/officeDocument/2006/relationships" xmlns:c="http://schemas.openxmlformats.org/drawingml/2006/chart" xmlns:a="http://schemas.openxmlformats.org/drawingml/2006/main" xmlns:dgm="http://schemas.openxmlformats.org/drawingml/2006/diagram" xmlns:dsp="http://schemas.microsoft.com/office/drawing/2008/diagram" xmlns:p="http://schemas.openxmlformats.org/presentationml/2006/main">
+  <p:cSld>
+    <p:spTree>
+      <p:nvGrpSpPr>
+        <p:cNvPr id="1" name=""/>
+        <p:cNvGrpSpPr/>
+        <p:nvPr/>
+      </p:nvGrpSpPr>
+      <p:grpSpPr>
+        <a:xfrm>
+          <a:off x="0" y="0"/>
+          <a:ext cx="0" cy="0"/>
+          <a:chOff x="0" y="0"/>
+          <a:chExt cx="0" cy="0"/>
+        </a:xfrm>
+      </p:grpSpPr>
+      <p:sp>
+        <p:nvSpPr>
+          <p:cNvPr id="4" name=""/>
+          <p:cNvSpPr txBox="1"/>
+          <p:nvPr/>
+        </p:nvSpPr>
+        <p:spPr>
+          <a:xfrm>
+            <a:off x="1046569" y="614107"/>
+            <a:ext cx="8390928" cy="5629785"/>
+          </a:xfrm>
+          <a:prstGeom prst="rect">
+            <a:avLst/>
+          </a:prstGeom>
+        </p:spPr>
+        <p:txBody>
+          <a:bodyPr wrap="square">
+            <a:spAutoFit/>
+          </a:bodyPr>
+          <a:lstStyle/>
+          <a:p>
+            <a:pPr>
+              <a:defRPr/>
+            </a:pPr>
+            <a:r>
+              <a:rPr lang="ko-KR" altLang="en-US" sz="2600">
+                <a:latin typeface="나눔스퀘어라운드 ExtraBold"/>
+                <a:ea typeface="나눔스퀘어라운드 ExtraBold"/>
+              </a:rPr>
+              <a:t>마지막 기능인 펫관리 기능입니다</a:t>
+            </a:r>
+            <a:r>
+              <a:rPr lang="en-US" altLang="ko-KR" sz="2600">
+                <a:latin typeface="나눔스퀘어라운드 ExtraBold"/>
+                <a:ea typeface="나눔스퀘어라운드 ExtraBold"/>
+              </a:rPr>
+              <a:t>.</a:t>
+            </a:r>
+            <a:endParaRPr lang="en-US" altLang="ko-KR" sz="2600">
+              <a:latin typeface="나눔스퀘어라운드 ExtraBold"/>
+              <a:ea typeface="나눔스퀘어라운드 ExtraBold"/>
+            </a:endParaRPr>
+          </a:p>
+          <a:p>
+            <a:pPr>
+              <a:defRPr/>
+            </a:pPr>
+            <a:endParaRPr lang="en-US" altLang="ko-KR" sz="2600">
+              <a:latin typeface="나눔스퀘어라운드 ExtraBold"/>
+              <a:ea typeface="나눔스퀘어라운드 ExtraBold"/>
+            </a:endParaRPr>
+          </a:p>
+          <a:p>
+            <a:pPr>
+              <a:defRPr/>
+            </a:pPr>
+            <a:r>
+              <a:rPr lang="ko-KR" altLang="en-US" sz="2600">
+                <a:latin typeface="나눔스퀘어라운드 ExtraBold"/>
+                <a:ea typeface="나눔스퀘어라운드 ExtraBold"/>
+              </a:rPr>
+              <a:t>이기능은 마이페이지입니다</a:t>
+            </a:r>
+            <a:r>
+              <a:rPr lang="en-US" altLang="ko-KR" sz="2600">
+                <a:latin typeface="나눔스퀘어라운드 ExtraBold"/>
+                <a:ea typeface="나눔스퀘어라운드 ExtraBold"/>
+              </a:rPr>
+              <a:t>.</a:t>
+            </a:r>
+            <a:endParaRPr lang="en-US" altLang="ko-KR" sz="2600">
+              <a:latin typeface="나눔스퀘어라운드 ExtraBold"/>
+              <a:ea typeface="나눔스퀘어라운드 ExtraBold"/>
+            </a:endParaRPr>
+          </a:p>
+          <a:p>
+            <a:pPr>
+              <a:defRPr/>
+            </a:pPr>
+            <a:endParaRPr lang="en-US" altLang="ko-KR" sz="2600">
+              <a:latin typeface="나눔스퀘어라운드 ExtraBold"/>
+              <a:ea typeface="나눔스퀘어라운드 ExtraBold"/>
+            </a:endParaRPr>
+          </a:p>
+          <a:p>
+            <a:pPr>
+              <a:defRPr/>
+            </a:pPr>
+            <a:r>
+              <a:rPr lang="ko-KR" altLang="en-US" sz="2600">
+                <a:latin typeface="나눔스퀘어라운드 ExtraBold"/>
+                <a:ea typeface="나눔스퀘어라운드 ExtraBold"/>
+              </a:rPr>
+              <a:t>이곳을 통해 반려동물을 추가 및 삭제하고 수정까지 가능합니다</a:t>
+            </a:r>
+            <a:r>
+              <a:rPr lang="en-US" altLang="ko-KR" sz="2600">
+                <a:latin typeface="나눔스퀘어라운드 ExtraBold"/>
+                <a:ea typeface="나눔스퀘어라운드 ExtraBold"/>
+              </a:rPr>
+              <a:t>.</a:t>
+            </a:r>
+            <a:r>
+              <a:rPr lang="ko-KR" altLang="en-US" sz="2600">
+                <a:latin typeface="나눔스퀘어라운드 ExtraBold"/>
+                <a:ea typeface="나눔스퀘어라운드 ExtraBold"/>
+              </a:rPr>
+              <a:t> 반려동물의 대표사진을 다시 업로드할 수 있고 여러 반려동물을 키우는 사용자를 위해 계속해서 추가및 확인 하실수있습니다</a:t>
+            </a:r>
+            <a:r>
+              <a:rPr lang="en-US" altLang="ko-KR" sz="2600">
+                <a:latin typeface="나눔스퀘어라운드 ExtraBold"/>
+                <a:ea typeface="나눔스퀘어라운드 ExtraBold"/>
+              </a:rPr>
+              <a:t>.</a:t>
+            </a:r>
+            <a:endParaRPr lang="en-US" altLang="ko-KR" sz="2600">
+              <a:latin typeface="나눔스퀘어라운드 ExtraBold"/>
+              <a:ea typeface="나눔스퀘어라운드 ExtraBold"/>
+            </a:endParaRPr>
+          </a:p>
+          <a:p>
+            <a:pPr>
+              <a:defRPr/>
+            </a:pPr>
+            <a:endParaRPr lang="en-US" altLang="ko-KR" sz="2600">
+              <a:latin typeface="나눔스퀘어라운드 ExtraBold"/>
+              <a:ea typeface="나눔스퀘어라운드 ExtraBold"/>
+            </a:endParaRPr>
+          </a:p>
+          <a:p>
+            <a:pPr>
+              <a:defRPr/>
+            </a:pPr>
+            <a:r>
+              <a:rPr lang="ko-KR" altLang="en-US" sz="2600">
+                <a:latin typeface="나눔스퀘어라운드 ExtraBold"/>
+                <a:ea typeface="나눔스퀘어라운드 ExtraBold"/>
+              </a:rPr>
+              <a:t>또한</a:t>
+            </a:r>
+            <a:r>
+              <a:rPr lang="en-US" altLang="ko-KR" sz="2600">
+                <a:latin typeface="나눔스퀘어라운드 ExtraBold"/>
+                <a:ea typeface="나눔스퀘어라운드 ExtraBold"/>
+              </a:rPr>
+              <a:t>,</a:t>
+            </a:r>
+            <a:r>
+              <a:rPr lang="ko-KR" altLang="en-US" sz="2600">
+                <a:latin typeface="나눔스퀘어라운드 ExtraBold"/>
+                <a:ea typeface="나눔스퀘어라운드 ExtraBold"/>
+              </a:rPr>
+              <a:t> 현재날짜로 부터 일주일 후까지의 내 일정과 내가쓴글도 바로 확인하실 수 있습니다</a:t>
+            </a:r>
+            <a:r>
+              <a:rPr lang="en-US" altLang="ko-KR" sz="2600">
+                <a:latin typeface="나눔스퀘어라운드 ExtraBold"/>
+                <a:ea typeface="나눔스퀘어라운드 ExtraBold"/>
+              </a:rPr>
+              <a:t>.</a:t>
+            </a:r>
+            <a:endParaRPr lang="en-US" altLang="ko-KR" sz="2600">
+              <a:latin typeface="나눔스퀘어라운드 ExtraBold"/>
+              <a:ea typeface="나눔스퀘어라운드 ExtraBold"/>
+            </a:endParaRPr>
+          </a:p>
+          <a:p>
+            <a:pPr>
+              <a:defRPr/>
+            </a:pPr>
+            <a:endParaRPr lang="en-US" altLang="ko-KR" sz="2600">
+              <a:latin typeface="나눔스퀘어라운드 ExtraBold"/>
+              <a:ea typeface="나눔스퀘어라운드 ExtraBold"/>
+            </a:endParaRPr>
+          </a:p>
+          <a:p>
+            <a:pPr>
+              <a:defRPr/>
+            </a:pPr>
+            <a:r>
+              <a:rPr lang="ko-KR" altLang="en-US" sz="2600">
+                <a:latin typeface="나눔스퀘어라운드 ExtraBold"/>
+                <a:ea typeface="나눔스퀘어라운드 ExtraBold"/>
+              </a:rPr>
+              <a:t>마지막으로 히스토리 기능을 통해 </a:t>
+            </a:r>
+            <a:r>
+              <a:rPr lang="en-US" altLang="ko-KR" sz="2600">
+                <a:latin typeface="나눔스퀘어라운드 ExtraBold"/>
+                <a:ea typeface="나눔스퀘어라운드 ExtraBold"/>
+              </a:rPr>
+              <a:t>AI</a:t>
+            </a:r>
+            <a:r>
+              <a:rPr lang="ko-KR" altLang="en-US" sz="2600">
+                <a:latin typeface="나눔스퀘어라운드 ExtraBold"/>
+                <a:ea typeface="나눔스퀘어라운드 ExtraBold"/>
+              </a:rPr>
+              <a:t>감정분석을 햇던 사진과 결과까지 모두 확인하실 수 있습니다</a:t>
+            </a:r>
+            <a:r>
+              <a:rPr lang="en-US" altLang="ko-KR" sz="2600">
+                <a:latin typeface="나눔스퀘어라운드 ExtraBold"/>
+                <a:ea typeface="나눔스퀘어라운드 ExtraBold"/>
+              </a:rPr>
+              <a:t>.</a:t>
+            </a:r>
+            <a:endParaRPr lang="en-US" altLang="ko-KR" sz="2600">
+              <a:latin typeface="나눔스퀘어라운드 ExtraBold"/>
+              <a:ea typeface="나눔스퀘어라운드 ExtraBold"/>
+            </a:endParaRPr>
+          </a:p>
+        </p:txBody>
+      </p:sp>
+    </p:spTree>
+  </p:cSld>
+  <p:clrMapOvr>
+    <a:masterClrMapping/>
+  </p:clrMapOvr>
+  <mc:AlternateContent xmlns:mc="http://schemas.openxmlformats.org/markup-compatibility/2006">
+    <mc:Choice xmlns:p14="http://schemas.microsoft.com/office/powerpoint/2010/main" Requires="p14">
+      <p:transition xmlns:mc="http://schemas.openxmlformats.org/markup-compatibility/2006" xmlns:p14="http://schemas.microsoft.com/office/powerpoint/2010/main" mc:Ignorable="p14" p14:dur="500"/>
+    </mc:Choice>
+    <mc:Fallback>
+      <p:transition/>
+    </mc:Fallback>
+  </mc:AlternateContent>
+</p:sld>
+</file>
+
+<file path=ppt/slides/slide24.xml><?xml version="1.0" encoding="utf-8"?>
+<p:sld xmlns:r="http://schemas.openxmlformats.org/officeDocument/2006/relationships" xmlns:c="http://schemas.openxmlformats.org/drawingml/2006/chart" xmlns:a="http://schemas.openxmlformats.org/drawingml/2006/main" xmlns:dgm="http://schemas.openxmlformats.org/drawingml/2006/diagram" xmlns:dsp="http://schemas.microsoft.com/office/drawing/2008/diagram" xmlns:p="http://schemas.openxmlformats.org/presentationml/2006/main">
+  <p:cSld>
+    <p:spTree>
+      <p:nvGrpSpPr>
+        <p:cNvPr id="1" name=""/>
+        <p:cNvGrpSpPr/>
+        <p:nvPr/>
+      </p:nvGrpSpPr>
+      <p:grpSpPr>
+        <a:xfrm>
+          <a:off x="0" y="0"/>
+          <a:ext cx="0" cy="0"/>
+          <a:chOff x="0" y="0"/>
+          <a:chExt cx="0" cy="0"/>
+        </a:xfrm>
+      </p:grpSpPr>
+      <p:sp>
+        <p:nvSpPr>
+          <p:cNvPr id="4" name=""/>
+          <p:cNvSpPr txBox="1"/>
+          <p:nvPr/>
+        </p:nvSpPr>
+        <p:spPr>
+          <a:xfrm>
+            <a:off x="964456" y="2594005"/>
+            <a:ext cx="8390930" cy="1671290"/>
+          </a:xfrm>
+          <a:prstGeom prst="rect">
+            <a:avLst/>
+          </a:prstGeom>
+        </p:spPr>
+        <p:txBody>
+          <a:bodyPr wrap="square">
+            <a:spAutoFit/>
+          </a:bodyPr>
+          <a:lstStyle/>
+          <a:p>
+            <a:pPr>
+              <a:defRPr/>
+            </a:pPr>
+            <a:r>
+              <a:rPr lang="ko-KR" altLang="en-US" sz="2600">
+                <a:latin typeface="나눔스퀘어라운드 ExtraBold"/>
+                <a:ea typeface="나눔스퀘어라운드 ExtraBold"/>
+              </a:rPr>
+              <a:t>저희 큣캣독 기능이 너무 많죠</a:t>
+            </a:r>
+            <a:r>
+              <a:rPr lang="en-US" altLang="ko-KR" sz="2600">
+                <a:latin typeface="나눔스퀘어라운드 ExtraBold"/>
+                <a:ea typeface="나눔스퀘어라운드 ExtraBold"/>
+              </a:rPr>
+              <a:t>?!</a:t>
+            </a:r>
+            <a:endParaRPr lang="en-US" altLang="ko-KR" sz="2600">
+              <a:latin typeface="나눔스퀘어라운드 ExtraBold"/>
+              <a:ea typeface="나눔스퀘어라운드 ExtraBold"/>
+            </a:endParaRPr>
+          </a:p>
+          <a:p>
+            <a:pPr>
+              <a:defRPr/>
+            </a:pPr>
+            <a:r>
+              <a:rPr lang="ko-KR" altLang="en-US" sz="2600">
+                <a:latin typeface="나눔스퀘어라운드 ExtraBold"/>
+                <a:ea typeface="나눔스퀘어라운드 ExtraBold"/>
+              </a:rPr>
+              <a:t>이런 기능들 라이브로 보여드리겠습니다</a:t>
+            </a:r>
+            <a:r>
+              <a:rPr lang="en-US" altLang="ko-KR" sz="2600">
+                <a:latin typeface="나눔스퀘어라운드 ExtraBold"/>
+                <a:ea typeface="나눔스퀘어라운드 ExtraBold"/>
+              </a:rPr>
+              <a:t>.</a:t>
+            </a:r>
+            <a:endParaRPr lang="en-US" altLang="ko-KR" sz="2600">
+              <a:latin typeface="나눔스퀘어라운드 ExtraBold"/>
+              <a:ea typeface="나눔스퀘어라운드 ExtraBold"/>
+            </a:endParaRPr>
+          </a:p>
+          <a:p>
+            <a:pPr>
+              <a:defRPr/>
+            </a:pPr>
+            <a:endParaRPr lang="en-US" altLang="ko-KR" sz="2600">
+              <a:latin typeface="나눔스퀘어라운드 ExtraBold"/>
+              <a:ea typeface="나눔스퀘어라운드 ExtraBold"/>
+            </a:endParaRPr>
+          </a:p>
+          <a:p>
+            <a:pPr>
+              <a:defRPr/>
+            </a:pPr>
+            <a:r>
+              <a:rPr lang="ko-KR" altLang="en-US" sz="2600">
+                <a:latin typeface="나눔스퀘어라운드 ExtraBold"/>
+                <a:ea typeface="나눔스퀘어라운드 ExtraBold"/>
+              </a:rPr>
+              <a:t>라이브 시연자 화면 공유해주세요</a:t>
+            </a:r>
+            <a:r>
+              <a:rPr lang="en-US" altLang="ko-KR" sz="2600">
+                <a:latin typeface="나눔스퀘어라운드 ExtraBold"/>
+                <a:ea typeface="나눔스퀘어라운드 ExtraBold"/>
+              </a:rPr>
+              <a:t>!</a:t>
+            </a:r>
+            <a:endParaRPr lang="en-US" altLang="ko-KR" sz="2600">
+              <a:latin typeface="나눔스퀘어라운드 ExtraBold"/>
+              <a:ea typeface="나눔스퀘어라운드 ExtraBold"/>
+            </a:endParaRPr>
+          </a:p>
+        </p:txBody>
+      </p:sp>
+    </p:spTree>
+  </p:cSld>
+  <p:clrMapOvr>
+    <a:masterClrMapping/>
+  </p:clrMapOvr>
+  <mc:AlternateContent xmlns:mc="http://schemas.openxmlformats.org/markup-compatibility/2006">
+    <mc:Choice xmlns:p14="http://schemas.microsoft.com/office/powerpoint/2010/main" Requires="p14">
+      <p:transition xmlns:mc="http://schemas.openxmlformats.org/markup-compatibility/2006" xmlns:p14="http://schemas.microsoft.com/office/powerpoint/2010/main" mc:Ignorable="p14" p14:dur="500"/>
+    </mc:Choice>
+    <mc:Fallback>
+      <p:transition/>
+    </mc:Fallback>
+  </mc:AlternateContent>
+</p:sld>
+</file>
+
+<file path=ppt/slides/slide25.xml><?xml version="1.0" encoding="utf-8"?>
+<p:sld xmlns:r="http://schemas.openxmlformats.org/officeDocument/2006/relationships" xmlns:c="http://schemas.openxmlformats.org/drawingml/2006/chart" xmlns:a="http://schemas.openxmlformats.org/drawingml/2006/main" xmlns:dgm="http://schemas.openxmlformats.org/drawingml/2006/diagram" xmlns:dsp="http://schemas.microsoft.com/office/drawing/2008/diagram" xmlns:p="http://schemas.openxmlformats.org/presentationml/2006/main">
+  <p:cSld>
+    <p:spTree>
+      <p:nvGrpSpPr>
+        <p:cNvPr id="1" name=""/>
+        <p:cNvGrpSpPr/>
+        <p:nvPr/>
+      </p:nvGrpSpPr>
+      <p:grpSpPr>
+        <a:xfrm>
+          <a:off x="0" y="0"/>
+          <a:ext cx="0" cy="0"/>
+          <a:chOff x="0" y="0"/>
+          <a:chExt cx="0" cy="0"/>
+        </a:xfrm>
+      </p:grpSpPr>
+      <p:sp>
+        <p:nvSpPr>
+          <p:cNvPr id="4" name=""/>
+          <p:cNvSpPr txBox="1"/>
+          <p:nvPr/>
+        </p:nvSpPr>
+        <p:spPr>
+          <a:xfrm>
+            <a:off x="783809" y="1477281"/>
+            <a:ext cx="9376275" cy="4045313"/>
+          </a:xfrm>
+          <a:prstGeom prst="rect">
+            <a:avLst/>
+          </a:prstGeom>
+        </p:spPr>
+        <p:txBody>
+          <a:bodyPr wrap="square">
+            <a:spAutoFit/>
+          </a:bodyPr>
+          <a:lstStyle/>
+          <a:p>
+            <a:pPr>
+              <a:defRPr/>
+            </a:pPr>
+            <a:r>
+              <a:rPr lang="ko-KR" altLang="en-US" sz="2600">
+                <a:latin typeface="나눔스퀘어라운드 ExtraBold"/>
+                <a:ea typeface="나눔스퀘어라운드 ExtraBold"/>
+              </a:rPr>
+              <a:t>라이브시연 모두 잘 보셨나요</a:t>
+            </a:r>
+            <a:r>
+              <a:rPr lang="en-US" altLang="ko-KR" sz="2600">
+                <a:latin typeface="나눔스퀘어라운드 ExtraBold"/>
+                <a:ea typeface="나눔스퀘어라운드 ExtraBold"/>
+              </a:rPr>
+              <a:t>?</a:t>
+            </a:r>
+            <a:endParaRPr lang="en-US" altLang="ko-KR" sz="2600">
+              <a:latin typeface="나눔스퀘어라운드 ExtraBold"/>
+              <a:ea typeface="나눔스퀘어라운드 ExtraBold"/>
+            </a:endParaRPr>
+          </a:p>
+          <a:p>
+            <a:pPr>
+              <a:defRPr/>
+            </a:pPr>
+            <a:endParaRPr lang="en-US" altLang="ko-KR" sz="2600">
+              <a:latin typeface="나눔스퀘어라운드 ExtraBold"/>
+              <a:ea typeface="나눔스퀘어라운드 ExtraBold"/>
+            </a:endParaRPr>
+          </a:p>
+          <a:p>
+            <a:pPr>
+              <a:defRPr/>
+            </a:pPr>
+            <a:r>
+              <a:rPr lang="ko-KR" altLang="en-US" sz="2600">
+                <a:latin typeface="나눔스퀘어라운드 ExtraBold"/>
+                <a:ea typeface="나눔스퀘어라운드 ExtraBold"/>
+              </a:rPr>
+              <a:t>이런 기능들을 개발해주신 팀원들을 소개하겠습니다</a:t>
+            </a:r>
+            <a:r>
+              <a:rPr lang="en-US" altLang="ko-KR" sz="2600">
+                <a:latin typeface="나눔스퀘어라운드 ExtraBold"/>
+                <a:ea typeface="나눔스퀘어라운드 ExtraBold"/>
+              </a:rPr>
+              <a:t>.</a:t>
+            </a:r>
+            <a:endParaRPr lang="en-US" altLang="ko-KR" sz="2600">
+              <a:latin typeface="나눔스퀘어라운드 ExtraBold"/>
+              <a:ea typeface="나눔스퀘어라운드 ExtraBold"/>
+            </a:endParaRPr>
+          </a:p>
+          <a:p>
+            <a:pPr>
+              <a:defRPr/>
+            </a:pPr>
+            <a:endParaRPr lang="en-US" altLang="ko-KR" sz="2600">
+              <a:latin typeface="나눔스퀘어라운드 ExtraBold"/>
+              <a:ea typeface="나눔스퀘어라운드 ExtraBold"/>
+            </a:endParaRPr>
+          </a:p>
+          <a:p>
+            <a:pPr>
+              <a:defRPr/>
+            </a:pPr>
+            <a:r>
+              <a:rPr lang="en-US" altLang="ko-KR" sz="2600">
+                <a:latin typeface="나눔스퀘어라운드 ExtraBold"/>
+                <a:ea typeface="나눔스퀘어라운드 ExtraBold"/>
+              </a:rPr>
+              <a:t>AI</a:t>
+            </a:r>
+            <a:r>
+              <a:rPr lang="ko-KR" altLang="en-US" sz="2600">
+                <a:latin typeface="나눔스퀘어라운드 ExtraBold"/>
+                <a:ea typeface="나눔스퀘어라운드 ExtraBold"/>
+              </a:rPr>
+              <a:t>를 담당해주신 수호님</a:t>
+            </a:r>
+            <a:r>
+              <a:rPr lang="en-US" altLang="ko-KR" sz="2600">
+                <a:latin typeface="나눔스퀘어라운드 ExtraBold"/>
+                <a:ea typeface="나눔스퀘어라운드 ExtraBold"/>
+              </a:rPr>
+              <a:t>!</a:t>
+            </a:r>
+            <a:r>
+              <a:rPr lang="ko-KR" altLang="en-US" sz="2600">
+                <a:latin typeface="나눔스퀘어라운드 ExtraBold"/>
+                <a:ea typeface="나눔스퀘어라운드 ExtraBold"/>
+              </a:rPr>
+              <a:t> 서버를 담당해주신 다예님과 형우님</a:t>
+            </a:r>
+            <a:r>
+              <a:rPr lang="en-US" altLang="ko-KR" sz="2600">
+                <a:latin typeface="나눔스퀘어라운드 ExtraBold"/>
+                <a:ea typeface="나눔스퀘어라운드 ExtraBold"/>
+              </a:rPr>
+              <a:t>!</a:t>
+            </a:r>
+            <a:endParaRPr lang="en-US" altLang="ko-KR" sz="2600">
+              <a:latin typeface="나눔스퀘어라운드 ExtraBold"/>
+              <a:ea typeface="나눔스퀘어라운드 ExtraBold"/>
+            </a:endParaRPr>
+          </a:p>
+          <a:p>
+            <a:pPr>
+              <a:defRPr/>
+            </a:pPr>
+            <a:endParaRPr lang="en-US" altLang="ko-KR" sz="2600">
+              <a:latin typeface="나눔스퀘어라운드 ExtraBold"/>
+              <a:ea typeface="나눔스퀘어라운드 ExtraBold"/>
+            </a:endParaRPr>
+          </a:p>
+          <a:p>
+            <a:pPr>
+              <a:defRPr/>
+            </a:pPr>
+            <a:r>
+              <a:rPr lang="ko-KR" altLang="en-US" sz="2600">
+                <a:latin typeface="나눔스퀘어라운드 ExtraBold"/>
+                <a:ea typeface="나눔스퀘어라운드 ExtraBold"/>
+              </a:rPr>
+              <a:t>그리고 저희의 팀장 지우님은 안드로이드를 담당해주셨습니다</a:t>
+            </a:r>
+            <a:r>
+              <a:rPr lang="en-US" altLang="ko-KR" sz="2600">
+                <a:latin typeface="나눔스퀘어라운드 ExtraBold"/>
+                <a:ea typeface="나눔스퀘어라운드 ExtraBold"/>
+              </a:rPr>
+              <a:t>.</a:t>
+            </a:r>
+            <a:endParaRPr lang="en-US" altLang="ko-KR" sz="2600">
+              <a:latin typeface="나눔스퀘어라운드 ExtraBold"/>
+              <a:ea typeface="나눔스퀘어라운드 ExtraBold"/>
+            </a:endParaRPr>
+          </a:p>
+          <a:p>
+            <a:pPr>
+              <a:defRPr/>
+            </a:pPr>
+            <a:r>
+              <a:rPr lang="ko-KR" altLang="en-US" sz="2600">
+                <a:latin typeface="나눔스퀘어라운드 ExtraBold"/>
+                <a:ea typeface="나눔스퀘어라운드 ExtraBold"/>
+              </a:rPr>
+              <a:t>주은님은 </a:t>
+            </a:r>
+            <a:r>
+              <a:rPr lang="en-US" altLang="ko-KR" sz="2600">
+                <a:latin typeface="나눔스퀘어라운드 ExtraBold"/>
+                <a:ea typeface="나눔스퀘어라운드 ExtraBold"/>
+              </a:rPr>
+              <a:t>AI</a:t>
+            </a:r>
+            <a:r>
+              <a:rPr lang="ko-KR" altLang="en-US" sz="2600">
+                <a:latin typeface="나눔스퀘어라운드 ExtraBold"/>
+                <a:ea typeface="나눔스퀘어라운드 ExtraBold"/>
+              </a:rPr>
+              <a:t>와 안드로이드를 담당해주셨습니다</a:t>
+            </a:r>
+            <a:r>
+              <a:rPr lang="en-US" altLang="ko-KR" sz="2600">
+                <a:latin typeface="나눔스퀘어라운드 ExtraBold"/>
+                <a:ea typeface="나눔스퀘어라운드 ExtraBold"/>
+              </a:rPr>
+              <a:t>.</a:t>
+            </a:r>
+            <a:endParaRPr lang="en-US" altLang="ko-KR" sz="2600">
+              <a:latin typeface="나눔스퀘어라운드 ExtraBold"/>
+              <a:ea typeface="나눔스퀘어라운드 ExtraBold"/>
+            </a:endParaRPr>
+          </a:p>
+          <a:p>
+            <a:pPr>
+              <a:defRPr/>
+            </a:pPr>
+            <a:endParaRPr lang="en-US" altLang="ko-KR" sz="2600">
+              <a:latin typeface="나눔스퀘어라운드 ExtraBold"/>
+              <a:ea typeface="나눔스퀘어라운드 ExtraBold"/>
+            </a:endParaRPr>
+          </a:p>
+          <a:p>
+            <a:pPr>
+              <a:defRPr/>
+            </a:pPr>
+            <a:r>
+              <a:rPr lang="ko-KR" altLang="en-US" sz="2600">
+                <a:latin typeface="나눔스퀘어라운드 ExtraBold"/>
+                <a:ea typeface="나눔스퀘어라운드 ExtraBold"/>
+              </a:rPr>
+              <a:t>마지막으로 저는 안드로이드를 담당하였습니다</a:t>
+            </a:r>
+            <a:r>
+              <a:rPr lang="en-US" altLang="ko-KR" sz="2600">
+                <a:latin typeface="나눔스퀘어라운드 ExtraBold"/>
+                <a:ea typeface="나눔스퀘어라운드 ExtraBold"/>
+              </a:rPr>
+              <a:t>.</a:t>
+            </a:r>
+            <a:endParaRPr lang="en-US" altLang="ko-KR" sz="2600">
+              <a:latin typeface="나눔스퀘어라운드 ExtraBold"/>
+              <a:ea typeface="나눔스퀘어라운드 ExtraBold"/>
+            </a:endParaRPr>
+          </a:p>
+        </p:txBody>
+      </p:sp>
+    </p:spTree>
+  </p:cSld>
+  <p:clrMapOvr>
+    <a:masterClrMapping/>
+  </p:clrMapOvr>
+  <mc:AlternateContent xmlns:mc="http://schemas.openxmlformats.org/markup-compatibility/2006">
+    <mc:Choice xmlns:p14="http://schemas.microsoft.com/office/powerpoint/2010/main" Requires="p14">
+      <p:transition xmlns:mc="http://schemas.openxmlformats.org/markup-compatibility/2006" xmlns:p14="http://schemas.microsoft.com/office/powerpoint/2010/main" mc:Ignorable="p14" p14:dur="500"/>
+    </mc:Choice>
+    <mc:Fallback>
+      <p:transition/>
+    </mc:Fallback>
+  </mc:AlternateContent>
+</p:sld>
+</file>
+
+<file path=ppt/slides/slide26.xml><?xml version="1.0" encoding="utf-8"?>
+<p:sld xmlns:r="http://schemas.openxmlformats.org/officeDocument/2006/relationships" xmlns:c="http://schemas.openxmlformats.org/drawingml/2006/chart" xmlns:a="http://schemas.openxmlformats.org/drawingml/2006/main" xmlns:dgm="http://schemas.openxmlformats.org/drawingml/2006/diagram" xmlns:dsp="http://schemas.microsoft.com/office/drawing/2008/diagram" xmlns:p="http://schemas.openxmlformats.org/presentationml/2006/main">
+  <p:cSld>
+    <p:spTree>
+      <p:nvGrpSpPr>
+        <p:cNvPr id="1" name=""/>
+        <p:cNvGrpSpPr/>
+        <p:nvPr/>
+      </p:nvGrpSpPr>
+      <p:grpSpPr>
+        <a:xfrm>
+          <a:off x="0" y="0"/>
+          <a:ext cx="0" cy="0"/>
+          <a:chOff x="0" y="0"/>
+          <a:chExt cx="0" cy="0"/>
+        </a:xfrm>
+      </p:grpSpPr>
+      <p:sp>
+        <p:nvSpPr>
+          <p:cNvPr id="4" name=""/>
+          <p:cNvSpPr txBox="1"/>
+          <p:nvPr/>
+        </p:nvSpPr>
+        <p:spPr>
+          <a:xfrm>
+            <a:off x="767386" y="2594004"/>
+            <a:ext cx="9376275" cy="2064115"/>
+          </a:xfrm>
+          <a:prstGeom prst="rect">
+            <a:avLst/>
+          </a:prstGeom>
+        </p:spPr>
+        <p:txBody>
+          <a:bodyPr wrap="square">
+            <a:spAutoFit/>
+          </a:bodyPr>
+          <a:lstStyle/>
+          <a:p>
+            <a:pPr>
+              <a:defRPr/>
+            </a:pPr>
+            <a:r>
+              <a:rPr lang="ko-KR" altLang="en-US" sz="2600">
+                <a:latin typeface="나눔스퀘어라운드 ExtraBold"/>
+                <a:ea typeface="나눔스퀘어라운드 ExtraBold"/>
+              </a:rPr>
+              <a:t>지금까지 반려동물 표정분석서비스 큣캣독의 발표 이보연이었습니다</a:t>
+            </a:r>
+            <a:r>
+              <a:rPr lang="en-US" altLang="ko-KR" sz="2600">
+                <a:latin typeface="나눔스퀘어라운드 ExtraBold"/>
+                <a:ea typeface="나눔스퀘어라운드 ExtraBold"/>
+              </a:rPr>
+              <a:t>.</a:t>
+            </a:r>
+            <a:endParaRPr lang="en-US" altLang="ko-KR" sz="2600">
+              <a:latin typeface="나눔스퀘어라운드 ExtraBold"/>
+              <a:ea typeface="나눔스퀘어라운드 ExtraBold"/>
+            </a:endParaRPr>
+          </a:p>
+          <a:p>
+            <a:pPr>
+              <a:defRPr/>
+            </a:pPr>
+            <a:endParaRPr lang="en-US" altLang="ko-KR" sz="2600">
+              <a:latin typeface="나눔스퀘어라운드 ExtraBold"/>
+              <a:ea typeface="나눔스퀘어라운드 ExtraBold"/>
+            </a:endParaRPr>
+          </a:p>
+          <a:p>
+            <a:pPr>
+              <a:defRPr/>
+            </a:pPr>
+            <a:r>
+              <a:rPr lang="ko-KR" altLang="en-US" sz="2600">
+                <a:latin typeface="나눔스퀘어라운드 ExtraBold"/>
+                <a:ea typeface="나눔스퀘어라운드 ExtraBold"/>
+              </a:rPr>
+              <a:t>들어주셔서 감사합니다</a:t>
+            </a:r>
+            <a:r>
+              <a:rPr lang="en-US" altLang="ko-KR" sz="2600">
+                <a:latin typeface="나눔스퀘어라운드 ExtraBold"/>
+                <a:ea typeface="나눔스퀘어라운드 ExtraBold"/>
+              </a:rPr>
+              <a:t>.</a:t>
+            </a:r>
+            <a:endParaRPr lang="en-US" altLang="ko-KR" sz="2600">
+              <a:latin typeface="나눔스퀘어라운드 ExtraBold"/>
+              <a:ea typeface="나눔스퀘어라운드 ExtraBold"/>
+            </a:endParaRPr>
+          </a:p>
+          <a:p>
+            <a:pPr>
+              <a:defRPr/>
+            </a:pPr>
+            <a:endParaRPr lang="en-US" altLang="ko-KR" sz="2600">
+              <a:latin typeface="나눔스퀘어라운드 ExtraBold"/>
+              <a:ea typeface="나눔스퀘어라운드 ExtraBold"/>
+            </a:endParaRPr>
+          </a:p>
+          <a:p>
+            <a:pPr>
+              <a:defRPr/>
+            </a:pPr>
+            <a:r>
+              <a:rPr lang="ko-KR" altLang="en-US" sz="2600">
+                <a:latin typeface="나눔스퀘어라운드 ExtraBold"/>
+                <a:ea typeface="나눔스퀘어라운드 ExtraBold"/>
+              </a:rPr>
+              <a:t>질문주시면 성실히 답변하겠습니다</a:t>
+            </a:r>
+            <a:r>
+              <a:rPr lang="en-US" altLang="ko-KR" sz="2600">
+                <a:latin typeface="나눔스퀘어라운드 ExtraBold"/>
+                <a:ea typeface="나눔스퀘어라운드 ExtraBold"/>
+              </a:rPr>
+              <a:t>!</a:t>
             </a:r>
             <a:endParaRPr lang="en-US" altLang="ko-KR" sz="2600">
               <a:latin typeface="나눔스퀘어라운드 ExtraBold"/>

--- a/Document/최종 발표대본.pptx
+++ b/Document/최종 발표대본.pptx
@@ -2,7 +2,7 @@
 <file path=ppt/presentation.xml><?xml version="1.0" encoding="utf-8"?>
 <p:presentation xmlns:r="http://schemas.openxmlformats.org/officeDocument/2006/relationships" xmlns:c="http://schemas.openxmlformats.org/drawingml/2006/chart" xmlns:a="http://schemas.openxmlformats.org/drawingml/2006/main" xmlns:dgm="http://schemas.openxmlformats.org/drawingml/2006/diagram" xmlns:dsp="http://schemas.microsoft.com/office/drawing/2008/diagram" xmlns:p="http://schemas.openxmlformats.org/presentationml/2006/main">
   <p:sldMasterIdLst>
-    <p:sldMasterId id="2147483729" r:id="rId1"/>
+    <p:sldMasterId id="2147483718" r:id="rId1"/>
   </p:sldMasterIdLst>
   <p:sldIdLst>
     <p:sldId id="256" r:id="rId2"/>
@@ -3348,8 +3348,8 @@
         </p:nvSpPr>
         <p:spPr>
           <a:xfrm>
-            <a:off x="1900536" y="1801754"/>
-            <a:ext cx="8390928" cy="3254492"/>
+            <a:off x="1900535" y="1206629"/>
+            <a:ext cx="8390928" cy="4444741"/>
           </a:xfrm>
           <a:prstGeom prst="rect">
             <a:avLst/>
@@ -3508,6 +3508,80 @@
                 <a:ea typeface="나눔스퀘어라운드 ExtraBold"/>
               </a:rPr>
               <a:t> 훈련의 결과를 사용자에게 나타냅니다</a:t>
+            </a:r>
+            <a:r>
+              <a:rPr lang="en-US" altLang="ko-KR" sz="2600">
+                <a:latin typeface="나눔스퀘어라운드 ExtraBold"/>
+                <a:ea typeface="나눔스퀘어라운드 ExtraBold"/>
+              </a:rPr>
+              <a:t>.</a:t>
+            </a:r>
+            <a:endParaRPr lang="en-US" altLang="ko-KR" sz="2600">
+              <a:latin typeface="나눔스퀘어라운드 ExtraBold"/>
+              <a:ea typeface="나눔스퀘어라운드 ExtraBold"/>
+            </a:endParaRPr>
+          </a:p>
+          <a:p>
+            <a:pPr>
+              <a:defRPr/>
+            </a:pPr>
+            <a:endParaRPr lang="en-US" altLang="ko-KR" sz="2600">
+              <a:latin typeface="나눔스퀘어라운드 ExtraBold"/>
+              <a:ea typeface="나눔스퀘어라운드 ExtraBold"/>
+            </a:endParaRPr>
+          </a:p>
+          <a:p>
+            <a:pPr>
+              <a:defRPr/>
+            </a:pPr>
+            <a:r>
+              <a:rPr lang="ko-KR" altLang="en-US" sz="2600">
+                <a:latin typeface="나눔스퀘어라운드 ExtraBold"/>
+                <a:ea typeface="나눔스퀘어라운드 ExtraBold"/>
+              </a:rPr>
+              <a:t>또한</a:t>
+            </a:r>
+            <a:r>
+              <a:rPr lang="en-US" altLang="ko-KR" sz="2600">
+                <a:latin typeface="나눔스퀘어라운드 ExtraBold"/>
+                <a:ea typeface="나눔스퀘어라운드 ExtraBold"/>
+              </a:rPr>
+              <a:t>,</a:t>
+            </a:r>
+            <a:r>
+              <a:rPr lang="ko-KR" altLang="en-US" sz="2600">
+                <a:latin typeface="나눔스퀘어라운드 ExtraBold"/>
+                <a:ea typeface="나눔스퀘어라운드 ExtraBold"/>
+              </a:rPr>
+              <a:t> 카카오톡공유하기</a:t>
+            </a:r>
+            <a:r>
+              <a:rPr lang="en-US" altLang="ko-KR" sz="2600">
+                <a:latin typeface="나눔스퀘어라운드 ExtraBold"/>
+                <a:ea typeface="나눔스퀘어라운드 ExtraBold"/>
+              </a:rPr>
+              <a:t>,</a:t>
+            </a:r>
+            <a:r>
+              <a:rPr lang="ko-KR" altLang="en-US" sz="2600">
+                <a:latin typeface="나눔스퀘어라운드 ExtraBold"/>
+                <a:ea typeface="나눔스퀘어라운드 ExtraBold"/>
+              </a:rPr>
+              <a:t> 인스타공유하기</a:t>
+            </a:r>
+            <a:r>
+              <a:rPr lang="en-US" altLang="ko-KR" sz="2600">
+                <a:latin typeface="나눔스퀘어라운드 ExtraBold"/>
+                <a:ea typeface="나눔스퀘어라운드 ExtraBold"/>
+              </a:rPr>
+              <a:t>,</a:t>
+            </a:r>
+            <a:r>
+              <a:rPr lang="ko-KR" altLang="en-US" sz="2600">
+                <a:latin typeface="나눔스퀘어라운드 ExtraBold"/>
+                <a:ea typeface="나눔스퀘어라운드 ExtraBold"/>
+              </a:rPr>
+              <a:t> 일기로 공유하기를 통해 많은 사람들에게 결과를 공유하실 수 있습니다</a:t>
             </a:r>
             <a:r>
               <a:rPr lang="en-US" altLang="ko-KR" sz="2600">
@@ -5431,7 +5505,7 @@
         </p:nvSpPr>
         <p:spPr>
           <a:xfrm>
-            <a:off x="1900536" y="1801754"/>
+            <a:off x="1225848" y="1406654"/>
             <a:ext cx="8390928" cy="4044691"/>
           </a:xfrm>
           <a:prstGeom prst="rect">

--- a/Document/최종 발표대본.pptx
+++ b/Document/최종 발표대본.pptx
@@ -2,7 +2,7 @@
 <file path=ppt/presentation.xml><?xml version="1.0" encoding="utf-8"?>
 <p:presentation xmlns:r="http://schemas.openxmlformats.org/officeDocument/2006/relationships" xmlns:c="http://schemas.openxmlformats.org/drawingml/2006/chart" xmlns:a="http://schemas.openxmlformats.org/drawingml/2006/main" xmlns:dgm="http://schemas.openxmlformats.org/drawingml/2006/diagram" xmlns:dsp="http://schemas.microsoft.com/office/drawing/2008/diagram" xmlns:p="http://schemas.openxmlformats.org/presentationml/2006/main">
   <p:sldMasterIdLst>
-    <p:sldMasterId id="2147483718" r:id="rId1"/>
+    <p:sldMasterId id="2147483721" r:id="rId1"/>
   </p:sldMasterIdLst>
   <p:sldIdLst>
     <p:sldId id="256" r:id="rId2"/>
@@ -3670,7 +3670,7 @@
         <p:spPr>
           <a:xfrm>
             <a:off x="1900536" y="1801754"/>
-            <a:ext cx="8390928" cy="2463541"/>
+            <a:ext cx="8390928" cy="3254116"/>
           </a:xfrm>
           <a:prstGeom prst="rect">
             <a:avLst/>
@@ -3690,7 +3690,39 @@
                 <a:latin typeface="나눔스퀘어라운드 ExtraBold"/>
                 <a:ea typeface="나눔스퀘어라운드 ExtraBold"/>
               </a:rPr>
-              <a:t>우선 컨볼루션에 대해 설명드리겠습니다</a:t>
+              <a:t>분류모델에 대해 설명드리기전</a:t>
+            </a:r>
+            <a:r>
+              <a:rPr lang="en-US" altLang="ko-KR" sz="2600">
+                <a:latin typeface="나눔스퀘어라운드 ExtraBold"/>
+                <a:ea typeface="나눔스퀘어라운드 ExtraBold"/>
+              </a:rPr>
+              <a:t>,</a:t>
+            </a:r>
+            <a:endParaRPr lang="en-US" altLang="ko-KR" sz="2600">
+              <a:latin typeface="나눔스퀘어라운드 ExtraBold"/>
+              <a:ea typeface="나눔스퀘어라운드 ExtraBold"/>
+            </a:endParaRPr>
+          </a:p>
+          <a:p>
+            <a:pPr>
+              <a:defRPr/>
+            </a:pPr>
+            <a:endParaRPr lang="ko-KR" altLang="en-US" sz="2600">
+              <a:latin typeface="나눔스퀘어라운드 ExtraBold"/>
+              <a:ea typeface="나눔스퀘어라운드 ExtraBold"/>
+            </a:endParaRPr>
+          </a:p>
+          <a:p>
+            <a:pPr>
+              <a:defRPr/>
+            </a:pPr>
+            <a:r>
+              <a:rPr lang="ko-KR" altLang="en-US" sz="2600">
+                <a:latin typeface="나눔스퀘어라운드 ExtraBold"/>
+                <a:ea typeface="나눔스퀘어라운드 ExtraBold"/>
+              </a:rPr>
+              <a:t>컨볼루션에 대해 먼저 설명드리겠습니다</a:t>
             </a:r>
             <a:r>
               <a:rPr lang="en-US" altLang="ko-KR" sz="2600">
@@ -6512,7 +6544,7 @@
         <p:spPr>
           <a:xfrm>
             <a:off x="1621354" y="1588262"/>
-            <a:ext cx="8390928" cy="4044691"/>
+            <a:ext cx="8390928" cy="4448683"/>
           </a:xfrm>
           <a:prstGeom prst="rect">
             <a:avLst/>
@@ -6610,21 +6642,7 @@
                 <a:latin typeface="나눔스퀘어라운드 ExtraBold"/>
                 <a:ea typeface="나눔스퀘어라운드 ExtraBold"/>
               </a:rPr>
-              <a:t>강아지에 관한 영상은 개통령 강형욱훈련사의 영상을 사용하였고 고양이의 관련 영상은 </a:t>
-            </a:r>
-            <a:r>
-              <a:rPr lang="en-US" altLang="ko-KR" sz="2600">
-                <a:latin typeface="나눔스퀘어라운드 ExtraBold"/>
-                <a:ea typeface="나눔스퀘어라운드 ExtraBold"/>
-              </a:rPr>
-              <a:t>‘’</a:t>
-            </a:r>
-            <a:r>
-              <a:rPr lang="ko-KR" altLang="en-US" sz="2600">
-                <a:latin typeface="나눔스퀘어라운드 ExtraBold"/>
-                <a:ea typeface="나눔스퀘어라운드 ExtraBold"/>
-              </a:rPr>
-              <a:t>유투브를 통해 알려드립니다</a:t>
+              <a:t>강아지에 관한 영상은 개통령 강형욱훈련사의 영상을 사용하였고 고양이의 관련 영상은 비마이펫 유투브를 통해 알려드립니다</a:t>
             </a:r>
             <a:r>
               <a:rPr lang="en-US" altLang="ko-KR" sz="2600">
